--- a/Vendor_Boards/Great_Cow_Basic_Demo_Board/16F17556_chiprange_demonstrations/tutorials/GCBASIC_Part3_ADC.pptx
+++ b/Vendor_Boards/Great_Cow_Basic_Demo_Board/16F17556_chiprange_demonstrations/tutorials/GCBASIC_Part3_ADC.pptx
@@ -22,7 +22,7 @@
     <p:sldId id="302" r:id="rId10"/>
     <p:sldId id="303" r:id="rId11"/>
     <p:sldId id="291" r:id="rId12"/>
-    <p:sldId id="285" r:id="rId13"/>
+    <p:sldId id="305" r:id="rId13"/>
     <p:sldId id="287" r:id="rId14"/>
     <p:sldId id="288" r:id="rId15"/>
     <p:sldId id="297" r:id="rId16"/>
@@ -212,7 +212,7 @@
             <a:fld id="{742E545A-AB39-44F0-B5A6-04A90C6C9399}" type="datetimeFigureOut">
               <a:rPr lang="en-GB" smtClean="0"/>
               <a:pPr/>
-              <a:t>17/11/2024</a:t>
+              <a:t>14/11/2025</a:t>
             </a:fld>
             <a:endParaRPr lang="en-GB"/>
           </a:p>
@@ -379,7 +379,7 @@
             <a:fld id="{FF100B3C-2E11-428B-8555-A77018253716}" type="datetimeFigureOut">
               <a:rPr lang="en-GB" smtClean="0"/>
               <a:pPr/>
-              <a:t>17/11/2024</a:t>
+              <a:t>14/11/2025</a:t>
             </a:fld>
             <a:endParaRPr lang="en-GB"/>
           </a:p>
@@ -672,7 +672,7 @@
           <p:cNvPr id="7" name="Rectangle 6">
             <a:extLst>
               <a:ext uri="{FF2B5EF4-FFF2-40B4-BE49-F238E27FC236}">
-                <a16:creationId xmlns:a16="http://schemas.microsoft.com/office/drawing/2014/main" xmlns="" id="{9C757326-0232-4CDF-81FF-302CA676961B}"/>
+                <a16:creationId xmlns="" xmlns:a16="http://schemas.microsoft.com/office/drawing/2014/main" id="{9C757326-0232-4CDF-81FF-302CA676961B}"/>
               </a:ext>
             </a:extLst>
           </p:cNvPr>
@@ -724,7 +724,7 @@
           <p:cNvPr id="8" name="Picture 7">
             <a:extLst>
               <a:ext uri="{FF2B5EF4-FFF2-40B4-BE49-F238E27FC236}">
-                <a16:creationId xmlns:a16="http://schemas.microsoft.com/office/drawing/2014/main" xmlns="" id="{4987E008-68E6-4A43-85BC-1A6ACDF91DE1}"/>
+                <a16:creationId xmlns="" xmlns:a16="http://schemas.microsoft.com/office/drawing/2014/main" id="{4987E008-68E6-4A43-85BC-1A6ACDF91DE1}"/>
               </a:ext>
             </a:extLst>
           </p:cNvPr>
@@ -753,7 +753,7 @@
           <p:cNvPr id="11" name="Picture 10">
             <a:extLst>
               <a:ext uri="{FF2B5EF4-FFF2-40B4-BE49-F238E27FC236}">
-                <a16:creationId xmlns:a16="http://schemas.microsoft.com/office/drawing/2014/main" xmlns="" id="{A1F8C892-C868-4DF6-91AB-B18CE632B10F}"/>
+                <a16:creationId xmlns="" xmlns:a16="http://schemas.microsoft.com/office/drawing/2014/main" id="{A1F8C892-C868-4DF6-91AB-B18CE632B10F}"/>
               </a:ext>
             </a:extLst>
           </p:cNvPr>
@@ -939,7 +939,7 @@
           <p:cNvPr id="12" name="Text Placeholder 2">
             <a:extLst>
               <a:ext uri="{FF2B5EF4-FFF2-40B4-BE49-F238E27FC236}">
-                <a16:creationId xmlns:a16="http://schemas.microsoft.com/office/drawing/2014/main" xmlns="" id="{D547E580-E6D6-4D97-BB04-05795A830147}"/>
+                <a16:creationId xmlns="" xmlns:a16="http://schemas.microsoft.com/office/drawing/2014/main" id="{D547E580-E6D6-4D97-BB04-05795A830147}"/>
               </a:ext>
             </a:extLst>
           </p:cNvPr>
@@ -1092,7 +1092,7 @@
           <p:cNvPr id="9" name="Picture 8">
             <a:extLst>
               <a:ext uri="{FF2B5EF4-FFF2-40B4-BE49-F238E27FC236}">
-                <a16:creationId xmlns:a16="http://schemas.microsoft.com/office/drawing/2014/main" xmlns="" id="{7CE2C968-D10A-4226-8FDC-CBC4C7EDD0B7}"/>
+                <a16:creationId xmlns="" xmlns:a16="http://schemas.microsoft.com/office/drawing/2014/main" id="{7CE2C968-D10A-4226-8FDC-CBC4C7EDD0B7}"/>
               </a:ext>
             </a:extLst>
           </p:cNvPr>
@@ -1294,7 +1294,7 @@
             <a:fld id="{C473AACB-D821-4991-9D88-46EB8D29E619}" type="datetimeFigureOut">
               <a:rPr lang="en-GB" smtClean="0"/>
               <a:pPr/>
-              <a:t>17/11/2024</a:t>
+              <a:t>14/11/2025</a:t>
             </a:fld>
             <a:endParaRPr lang="en-GB" dirty="0"/>
           </a:p>
@@ -1378,7 +1378,7 @@
           <p:cNvPr id="9" name="Picture 8">
             <a:extLst>
               <a:ext uri="{FF2B5EF4-FFF2-40B4-BE49-F238E27FC236}">
-                <a16:creationId xmlns:a16="http://schemas.microsoft.com/office/drawing/2014/main" xmlns="" id="{6AB5D66D-00C1-40EA-BFC8-305566F10369}"/>
+                <a16:creationId xmlns="" xmlns:a16="http://schemas.microsoft.com/office/drawing/2014/main" id="{6AB5D66D-00C1-40EA-BFC8-305566F10369}"/>
               </a:ext>
             </a:extLst>
           </p:cNvPr>
@@ -1588,7 +1588,7 @@
             <a:fld id="{C473AACB-D821-4991-9D88-46EB8D29E619}" type="datetimeFigureOut">
               <a:rPr lang="en-GB" smtClean="0"/>
               <a:pPr/>
-              <a:t>17/11/2024</a:t>
+              <a:t>14/11/2025</a:t>
             </a:fld>
             <a:endParaRPr lang="en-GB" dirty="0"/>
           </a:p>
@@ -1841,7 +1841,7 @@
             <a:fld id="{C473AACB-D821-4991-9D88-46EB8D29E619}" type="datetimeFigureOut">
               <a:rPr lang="en-GB" smtClean="0"/>
               <a:pPr/>
-              <a:t>17/11/2024</a:t>
+              <a:t>14/11/2025</a:t>
             </a:fld>
             <a:endParaRPr lang="en-GB" dirty="0"/>
           </a:p>
@@ -1895,7 +1895,7 @@
           <p:cNvPr id="8" name="Picture 7">
             <a:extLst>
               <a:ext uri="{FF2B5EF4-FFF2-40B4-BE49-F238E27FC236}">
-                <a16:creationId xmlns:a16="http://schemas.microsoft.com/office/drawing/2014/main" xmlns="" id="{AD4D4CB4-D965-4BB6-B218-086244C13BAE}"/>
+                <a16:creationId xmlns="" xmlns:a16="http://schemas.microsoft.com/office/drawing/2014/main" id="{AD4D4CB4-D965-4BB6-B218-086244C13BAE}"/>
               </a:ext>
             </a:extLst>
           </p:cNvPr>
@@ -2186,7 +2186,7 @@
             <a:fld id="{C473AACB-D821-4991-9D88-46EB8D29E619}" type="datetimeFigureOut">
               <a:rPr lang="en-GB" smtClean="0"/>
               <a:pPr/>
-              <a:t>17/11/2024</a:t>
+              <a:t>14/11/2025</a:t>
             </a:fld>
             <a:endParaRPr lang="en-GB" dirty="0"/>
           </a:p>
@@ -2330,7 +2330,7 @@
           <p:cNvPr id="11" name="Picture 10">
             <a:extLst>
               <a:ext uri="{FF2B5EF4-FFF2-40B4-BE49-F238E27FC236}">
-                <a16:creationId xmlns:a16="http://schemas.microsoft.com/office/drawing/2014/main" xmlns="" id="{A3B58C4E-0EF0-466C-9740-EC9F485CBD03}"/>
+                <a16:creationId xmlns="" xmlns:a16="http://schemas.microsoft.com/office/drawing/2014/main" id="{A3B58C4E-0EF0-466C-9740-EC9F485CBD03}"/>
               </a:ext>
             </a:extLst>
           </p:cNvPr>
@@ -2558,7 +2558,7 @@
             <a:fld id="{C473AACB-D821-4991-9D88-46EB8D29E619}" type="datetimeFigureOut">
               <a:rPr lang="en-GB" smtClean="0"/>
               <a:pPr/>
-              <a:t>17/11/2024</a:t>
+              <a:t>14/11/2025</a:t>
             </a:fld>
             <a:endParaRPr lang="en-GB" dirty="0"/>
           </a:p>
@@ -2612,7 +2612,7 @@
           <p:cNvPr id="7" name="Picture 6">
             <a:extLst>
               <a:ext uri="{FF2B5EF4-FFF2-40B4-BE49-F238E27FC236}">
-                <a16:creationId xmlns:a16="http://schemas.microsoft.com/office/drawing/2014/main" xmlns="" id="{2D0B9223-1250-44AA-A6C3-F2013B85AEF3}"/>
+                <a16:creationId xmlns="" xmlns:a16="http://schemas.microsoft.com/office/drawing/2014/main" id="{2D0B9223-1250-44AA-A6C3-F2013B85AEF3}"/>
               </a:ext>
             </a:extLst>
           </p:cNvPr>
@@ -2904,7 +2904,7 @@
             <a:fld id="{C473AACB-D821-4991-9D88-46EB8D29E619}" type="datetimeFigureOut">
               <a:rPr lang="en-GB" smtClean="0"/>
               <a:pPr/>
-              <a:t>17/11/2024</a:t>
+              <a:t>14/11/2025</a:t>
             </a:fld>
             <a:endParaRPr lang="en-GB" dirty="0"/>
           </a:p>
@@ -3040,7 +3040,7 @@
           <p:cNvPr id="11" name="Picture 10">
             <a:extLst>
               <a:ext uri="{FF2B5EF4-FFF2-40B4-BE49-F238E27FC236}">
-                <a16:creationId xmlns:a16="http://schemas.microsoft.com/office/drawing/2014/main" xmlns="" id="{D49E1C7C-7E53-49A2-B2C9-52307876DB7E}"/>
+                <a16:creationId xmlns="" xmlns:a16="http://schemas.microsoft.com/office/drawing/2014/main" id="{D49E1C7C-7E53-49A2-B2C9-52307876DB7E}"/>
               </a:ext>
             </a:extLst>
           </p:cNvPr>
@@ -3328,7 +3328,7 @@
             <a:fld id="{C473AACB-D821-4991-9D88-46EB8D29E619}" type="datetimeFigureOut">
               <a:rPr lang="en-GB" smtClean="0"/>
               <a:pPr/>
-              <a:t>17/11/2024</a:t>
+              <a:t>14/11/2025</a:t>
             </a:fld>
             <a:endParaRPr lang="en-GB" dirty="0"/>
           </a:p>
@@ -3382,7 +3382,7 @@
           <p:cNvPr id="9" name="Picture 8">
             <a:extLst>
               <a:ext uri="{FF2B5EF4-FFF2-40B4-BE49-F238E27FC236}">
-                <a16:creationId xmlns:a16="http://schemas.microsoft.com/office/drawing/2014/main" xmlns="" id="{23082AB0-2BB5-46FE-9A17-15E1ACC06965}"/>
+                <a16:creationId xmlns="" xmlns:a16="http://schemas.microsoft.com/office/drawing/2014/main" id="{23082AB0-2BB5-46FE-9A17-15E1ACC06965}"/>
               </a:ext>
             </a:extLst>
           </p:cNvPr>
@@ -3441,7 +3441,7 @@
           <p:cNvPr id="8" name="Picture 7">
             <a:extLst>
               <a:ext uri="{FF2B5EF4-FFF2-40B4-BE49-F238E27FC236}">
-                <a16:creationId xmlns:a16="http://schemas.microsoft.com/office/drawing/2014/main" xmlns="" id="{1862E859-E5AF-4D76-9FC9-2355B24FF141}"/>
+                <a16:creationId xmlns="" xmlns:a16="http://schemas.microsoft.com/office/drawing/2014/main" id="{1862E859-E5AF-4D76-9FC9-2355B24FF141}"/>
               </a:ext>
             </a:extLst>
           </p:cNvPr>
@@ -3563,7 +3563,7 @@
             <a:fld id="{C473AACB-D821-4991-9D88-46EB8D29E619}" type="datetimeFigureOut">
               <a:rPr lang="en-GB" smtClean="0"/>
               <a:pPr/>
-              <a:t>17/11/2024</a:t>
+              <a:t>14/11/2025</a:t>
             </a:fld>
             <a:endParaRPr lang="en-GB" dirty="0"/>
           </a:p>
@@ -3647,7 +3647,7 @@
           <p:cNvPr id="8" name="Picture 7">
             <a:extLst>
               <a:ext uri="{FF2B5EF4-FFF2-40B4-BE49-F238E27FC236}">
-                <a16:creationId xmlns:a16="http://schemas.microsoft.com/office/drawing/2014/main" xmlns="" id="{91908D0E-7544-4687-965B-72EF64AA4C54}"/>
+                <a16:creationId xmlns="" xmlns:a16="http://schemas.microsoft.com/office/drawing/2014/main" id="{91908D0E-7544-4687-965B-72EF64AA4C54}"/>
               </a:ext>
             </a:extLst>
           </p:cNvPr>
@@ -3774,7 +3774,7 @@
             <a:fld id="{C473AACB-D821-4991-9D88-46EB8D29E619}" type="datetimeFigureOut">
               <a:rPr lang="en-GB" smtClean="0"/>
               <a:pPr/>
-              <a:t>17/11/2024</a:t>
+              <a:t>14/11/2025</a:t>
             </a:fld>
             <a:endParaRPr lang="en-GB" dirty="0"/>
           </a:p>
@@ -3858,7 +3858,7 @@
           <p:cNvPr id="8" name="Picture 7">
             <a:extLst>
               <a:ext uri="{FF2B5EF4-FFF2-40B4-BE49-F238E27FC236}">
-                <a16:creationId xmlns:a16="http://schemas.microsoft.com/office/drawing/2014/main" xmlns="" id="{5B5B8CA2-02D4-408C-B548-182D4F5F54B2}"/>
+                <a16:creationId xmlns="" xmlns:a16="http://schemas.microsoft.com/office/drawing/2014/main" id="{5B5B8CA2-02D4-408C-B548-182D4F5F54B2}"/>
               </a:ext>
             </a:extLst>
           </p:cNvPr>
@@ -3992,7 +3992,7 @@
             <a:fld id="{C473AACB-D821-4991-9D88-46EB8D29E619}" type="datetimeFigureOut">
               <a:rPr lang="en-GB" smtClean="0"/>
               <a:pPr/>
-              <a:t>17/11/2024</a:t>
+              <a:t>14/11/2025</a:t>
             </a:fld>
             <a:endParaRPr lang="en-GB" dirty="0"/>
           </a:p>
@@ -4076,7 +4076,7 @@
           <p:cNvPr id="11" name="Picture 10">
             <a:extLst>
               <a:ext uri="{FF2B5EF4-FFF2-40B4-BE49-F238E27FC236}">
-                <a16:creationId xmlns:a16="http://schemas.microsoft.com/office/drawing/2014/main" xmlns="" id="{EA8DB33B-8BF9-4C99-B31C-55246227EFDE}"/>
+                <a16:creationId xmlns="" xmlns:a16="http://schemas.microsoft.com/office/drawing/2014/main" id="{EA8DB33B-8BF9-4C99-B31C-55246227EFDE}"/>
               </a:ext>
             </a:extLst>
           </p:cNvPr>
@@ -4807,7 +4807,7 @@
             <a:fld id="{C473AACB-D821-4991-9D88-46EB8D29E619}" type="datetimeFigureOut">
               <a:rPr lang="en-GB" smtClean="0"/>
               <a:pPr/>
-              <a:t>17/11/2024</a:t>
+              <a:t>14/11/2025</a:t>
             </a:fld>
             <a:endParaRPr lang="en-GB" dirty="0"/>
           </a:p>
@@ -4891,7 +4891,7 @@
           <p:cNvPr id="11" name="Picture 10">
             <a:extLst>
               <a:ext uri="{FF2B5EF4-FFF2-40B4-BE49-F238E27FC236}">
-                <a16:creationId xmlns:a16="http://schemas.microsoft.com/office/drawing/2014/main" xmlns="" id="{EA8DB33B-8BF9-4C99-B31C-55246227EFDE}"/>
+                <a16:creationId xmlns="" xmlns:a16="http://schemas.microsoft.com/office/drawing/2014/main" id="{EA8DB33B-8BF9-4C99-B31C-55246227EFDE}"/>
               </a:ext>
             </a:extLst>
           </p:cNvPr>
@@ -5621,7 +5621,7 @@
             <a:fld id="{C473AACB-D821-4991-9D88-46EB8D29E619}" type="datetimeFigureOut">
               <a:rPr lang="en-GB" smtClean="0"/>
               <a:pPr/>
-              <a:t>17/11/2024</a:t>
+              <a:t>14/11/2025</a:t>
             </a:fld>
             <a:endParaRPr lang="en-GB" dirty="0"/>
           </a:p>
@@ -5870,7 +5870,7 @@
             <a:fld id="{C473AACB-D821-4991-9D88-46EB8D29E619}" type="datetimeFigureOut">
               <a:rPr lang="en-GB" smtClean="0"/>
               <a:pPr/>
-              <a:t>17/11/2024</a:t>
+              <a:t>14/11/2025</a:t>
             </a:fld>
             <a:endParaRPr lang="en-GB" dirty="0"/>
           </a:p>
@@ -5924,7 +5924,7 @@
           <p:cNvPr id="7" name="Picture 6">
             <a:extLst>
               <a:ext uri="{FF2B5EF4-FFF2-40B4-BE49-F238E27FC236}">
-                <a16:creationId xmlns:a16="http://schemas.microsoft.com/office/drawing/2014/main" xmlns="" id="{6331EFED-43C1-4CBA-8BE3-308E3AA13B9B}"/>
+                <a16:creationId xmlns="" xmlns:a16="http://schemas.microsoft.com/office/drawing/2014/main" id="{6331EFED-43C1-4CBA-8BE3-308E3AA13B9B}"/>
               </a:ext>
             </a:extLst>
           </p:cNvPr>
@@ -6134,7 +6134,7 @@
             <a:fld id="{C473AACB-D821-4991-9D88-46EB8D29E619}" type="datetimeFigureOut">
               <a:rPr lang="en-GB" smtClean="0"/>
               <a:pPr/>
-              <a:t>17/11/2024</a:t>
+              <a:t>14/11/2025</a:t>
             </a:fld>
             <a:endParaRPr lang="en-GB" dirty="0"/>
           </a:p>
@@ -6188,7 +6188,7 @@
           <p:cNvPr id="9" name="Picture 8">
             <a:extLst>
               <a:ext uri="{FF2B5EF4-FFF2-40B4-BE49-F238E27FC236}">
-                <a16:creationId xmlns:a16="http://schemas.microsoft.com/office/drawing/2014/main" xmlns="" id="{1034EA63-4BE3-4A73-A7E6-4A75BE4C1D48}"/>
+                <a16:creationId xmlns="" xmlns:a16="http://schemas.microsoft.com/office/drawing/2014/main" id="{1034EA63-4BE3-4A73-A7E6-4A75BE4C1D48}"/>
               </a:ext>
             </a:extLst>
           </p:cNvPr>
@@ -6247,7 +6247,7 @@
           <p:cNvPr id="10" name="Picture 9">
             <a:extLst>
               <a:ext uri="{FF2B5EF4-FFF2-40B4-BE49-F238E27FC236}">
-                <a16:creationId xmlns:a16="http://schemas.microsoft.com/office/drawing/2014/main" xmlns="" id="{204DC1E6-B5F4-4160-90F3-351FB3242E92}"/>
+                <a16:creationId xmlns="" xmlns:a16="http://schemas.microsoft.com/office/drawing/2014/main" id="{204DC1E6-B5F4-4160-90F3-351FB3242E92}"/>
               </a:ext>
             </a:extLst>
           </p:cNvPr>
@@ -6574,7 +6574,7 @@
             <a:fld id="{C473AACB-D821-4991-9D88-46EB8D29E619}" type="datetimeFigureOut">
               <a:rPr lang="en-GB" smtClean="0"/>
               <a:pPr/>
-              <a:t>17/11/2024</a:t>
+              <a:t>14/11/2025</a:t>
             </a:fld>
             <a:endParaRPr lang="en-GB" dirty="0"/>
           </a:p>
@@ -6658,7 +6658,7 @@
           <p:cNvPr id="6" name="Picture 5">
             <a:extLst>
               <a:ext uri="{FF2B5EF4-FFF2-40B4-BE49-F238E27FC236}">
-                <a16:creationId xmlns:a16="http://schemas.microsoft.com/office/drawing/2014/main" xmlns="" id="{E7897C67-3827-4595-8E3A-71E9F2EAB3AF}"/>
+                <a16:creationId xmlns="" xmlns:a16="http://schemas.microsoft.com/office/drawing/2014/main" id="{E7897C67-3827-4595-8E3A-71E9F2EAB3AF}"/>
               </a:ext>
             </a:extLst>
           </p:cNvPr>
@@ -6729,7 +6729,7 @@
             <a:fld id="{C473AACB-D821-4991-9D88-46EB8D29E619}" type="datetimeFigureOut">
               <a:rPr lang="en-GB" smtClean="0"/>
               <a:pPr/>
-              <a:t>17/11/2024</a:t>
+              <a:t>14/11/2025</a:t>
             </a:fld>
             <a:endParaRPr lang="en-GB" dirty="0"/>
           </a:p>
@@ -6826,7 +6826,7 @@
             <a:fld id="{C473AACB-D821-4991-9D88-46EB8D29E619}" type="datetimeFigureOut">
               <a:rPr lang="en-GB" smtClean="0"/>
               <a:pPr/>
-              <a:t>17/11/2024</a:t>
+              <a:t>14/11/2025</a:t>
             </a:fld>
             <a:endParaRPr lang="en-GB" dirty="0"/>
           </a:p>
@@ -6880,7 +6880,7 @@
           <p:cNvPr id="6" name="Picture 5">
             <a:extLst>
               <a:ext uri="{FF2B5EF4-FFF2-40B4-BE49-F238E27FC236}">
-                <a16:creationId xmlns:a16="http://schemas.microsoft.com/office/drawing/2014/main" xmlns="" id="{F1825398-026A-4668-BB48-C16AD1C9062B}"/>
+                <a16:creationId xmlns="" xmlns:a16="http://schemas.microsoft.com/office/drawing/2014/main" id="{F1825398-026A-4668-BB48-C16AD1C9062B}"/>
               </a:ext>
             </a:extLst>
           </p:cNvPr>
@@ -7603,7 +7603,7 @@
             <a:fld id="{C473AACB-D821-4991-9D88-46EB8D29E619}" type="datetimeFigureOut">
               <a:rPr lang="en-GB" smtClean="0"/>
               <a:pPr/>
-              <a:t>17/11/2024</a:t>
+              <a:t>14/11/2025</a:t>
             </a:fld>
             <a:endParaRPr lang="en-GB" dirty="0"/>
           </a:p>
@@ -8170,8 +8170,9 @@
           <a:p>
             <a:r>
               <a:rPr lang="en-GB" dirty="0" smtClean="0"/>
-              <a:t>PIC18FxxQ24</a:t>
-            </a:r>
+              <a:t>PIC16F175xx</a:t>
+            </a:r>
+            <a:endParaRPr lang="en-GB" dirty="0" smtClean="0"/>
           </a:p>
           <a:p>
             <a:r>
@@ -8291,11 +8292,11 @@
   <p:clrMapOvr>
     <a:masterClrMapping/>
   </p:clrMapOvr>
-  <mc:AlternateContent xmlns:mc="http://schemas.openxmlformats.org/markup-compatibility/2006">
-    <mc:Choice xmlns:p14="http://schemas.microsoft.com/office/powerpoint/2010/main" Requires="p14">
+  <mc:AlternateContent xmlns:mc="http://schemas.openxmlformats.org/markup-compatibility/2006" xmlns:p14="http://schemas.microsoft.com/office/powerpoint/2010/main">
+    <mc:Choice Requires="p14">
       <p:transition spd="slow" p14:dur="2000" advClick="0"/>
     </mc:Choice>
-    <mc:Fallback>
+    <mc:Fallback xmlns="">
       <p:transition spd="slow" advClick="0"/>
     </mc:Fallback>
   </mc:AlternateContent>
@@ -8396,7 +8397,11 @@
             <a:pPr marL="778521" lvl="1" indent="-478483"/>
             <a:r>
               <a:rPr lang="en-GB" dirty="0" smtClean="0"/>
-              <a:t>Test that you have the 18FxxQ24 </a:t>
+              <a:t>Test that you have the </a:t>
+            </a:r>
+            <a:r>
+              <a:rPr lang="en-GB" dirty="0" smtClean="0"/>
+              <a:t>16F175xx </a:t>
             </a:r>
             <a:r>
               <a:rPr lang="en-GB" dirty="0" smtClean="0"/>
@@ -8416,7 +8421,6 @@
               <a:rPr lang="en-GB" dirty="0" smtClean="0"/>
               <a:t>You have a POT connected</a:t>
             </a:r>
-            <a:endParaRPr lang="en-GB" dirty="0" smtClean="0"/>
           </a:p>
           <a:p>
             <a:pPr marL="0" indent="0">
@@ -8549,7 +8553,7 @@
         <p:spPr>
           <a:xfrm>
             <a:off x="2123728" y="1635646"/>
-            <a:ext cx="5328592" cy="3416320"/>
+            <a:ext cx="5328592" cy="3600986"/>
           </a:xfrm>
           <a:prstGeom prst="rect">
             <a:avLst/>
@@ -8572,11 +8576,18 @@
           </a:p>
           <a:p>
             <a:r>
+              <a:rPr lang="en-GB" sz="1200" b="1" dirty="0" smtClean="0">
+                <a:latin typeface="Courier New" panose="02070309020205020404" pitchFamily="49" charset="0"/>
+                <a:cs typeface="Courier New" panose="02070309020205020404" pitchFamily="49" charset="0"/>
+              </a:rPr>
+              <a:t>'' </a:t>
+            </a:r>
+            <a:r>
               <a:rPr lang="en-GB" sz="1200" b="1" dirty="0">
                 <a:latin typeface="Courier New" panose="02070309020205020404" pitchFamily="49" charset="0"/>
                 <a:cs typeface="Courier New" panose="02070309020205020404" pitchFamily="49" charset="0"/>
               </a:rPr>
-              <a:t>    -------------------PORTA----------------</a:t>
+              <a:t>-------------------PORTA----------------</a:t>
             </a:r>
           </a:p>
           <a:p>
@@ -8585,7 +8596,7 @@
                 <a:latin typeface="Courier New" panose="02070309020205020404" pitchFamily="49" charset="0"/>
                 <a:cs typeface="Courier New" panose="02070309020205020404" pitchFamily="49" charset="0"/>
               </a:rPr>
-              <a:t>    Bit#:  -7---6---5---4---3---2---1---0---</a:t>
+              <a:t>'' Bit#:  -7---6---5---4---3---2---1---0---</a:t>
             </a:r>
           </a:p>
           <a:p>
@@ -8594,21 +8605,27 @@
                 <a:latin typeface="Courier New" panose="02070309020205020404" pitchFamily="49" charset="0"/>
                 <a:cs typeface="Courier New" panose="02070309020205020404" pitchFamily="49" charset="0"/>
               </a:rPr>
-              <a:t>    IO:    </a:t>
+              <a:t>'' IO:    </a:t>
             </a:r>
             <a:r>
               <a:rPr lang="en-GB" sz="1200" b="1" dirty="0" smtClean="0">
                 <a:latin typeface="Courier New" panose="02070309020205020404" pitchFamily="49" charset="0"/>
                 <a:cs typeface="Courier New" panose="02070309020205020404" pitchFamily="49" charset="0"/>
               </a:rPr>
-              <a:t>----------------------------ADC-</a:t>
-            </a:r>
+              <a:t>----------------------------ADC--</a:t>
+            </a:r>
+            <a:endParaRPr lang="en-GB" sz="1200" b="1" dirty="0">
+              <a:latin typeface="Courier New" panose="02070309020205020404" pitchFamily="49" charset="0"/>
+              <a:cs typeface="Courier New" panose="02070309020205020404" pitchFamily="49" charset="0"/>
+            </a:endParaRPr>
+          </a:p>
+          <a:p>
             <a:r>
               <a:rPr lang="en-GB" sz="1200" b="1" dirty="0">
                 <a:latin typeface="Courier New" panose="02070309020205020404" pitchFamily="49" charset="0"/>
                 <a:cs typeface="Courier New" panose="02070309020205020404" pitchFamily="49" charset="0"/>
               </a:rPr>
-              <a:t>- </a:t>
+              <a:t>''-----------------------------------------</a:t>
             </a:r>
           </a:p>
           <a:p>
@@ -8617,8 +8634,14 @@
                 <a:latin typeface="Courier New" panose="02070309020205020404" pitchFamily="49" charset="0"/>
                 <a:cs typeface="Courier New" panose="02070309020205020404" pitchFamily="49" charset="0"/>
               </a:rPr>
-              <a:t>    ----------------------------------------</a:t>
-            </a:r>
+              <a:t>''</a:t>
+            </a:r>
+          </a:p>
+          <a:p>
+            <a:endParaRPr lang="en-GB" sz="1200" b="1" dirty="0">
+              <a:latin typeface="Courier New" panose="02070309020205020404" pitchFamily="49" charset="0"/>
+              <a:cs typeface="Courier New" panose="02070309020205020404" pitchFamily="49" charset="0"/>
+            </a:endParaRPr>
           </a:p>
           <a:p>
             <a:r>
@@ -8626,20 +8649,25 @@
                 <a:latin typeface="Courier New" panose="02070309020205020404" pitchFamily="49" charset="0"/>
                 <a:cs typeface="Courier New" panose="02070309020205020404" pitchFamily="49" charset="0"/>
               </a:rPr>
-              <a:t/>
-            </a:r>
-            <a:br>
+              <a:t>'' -------------------PORTB----------------</a:t>
+            </a:r>
+          </a:p>
+          <a:p>
+            <a:r>
               <a:rPr lang="en-GB" sz="1200" b="1" dirty="0">
                 <a:latin typeface="Courier New" panose="02070309020205020404" pitchFamily="49" charset="0"/>
                 <a:cs typeface="Courier New" panose="02070309020205020404" pitchFamily="49" charset="0"/>
               </a:rPr>
-            </a:br>
+              <a:t>'' Bit#:  -7---6---5---4---3---2---1---0---</a:t>
+            </a:r>
+          </a:p>
+          <a:p>
             <a:r>
               <a:rPr lang="en-GB" sz="1200" b="1" dirty="0">
                 <a:latin typeface="Courier New" panose="02070309020205020404" pitchFamily="49" charset="0"/>
                 <a:cs typeface="Courier New" panose="02070309020205020404" pitchFamily="49" charset="0"/>
               </a:rPr>
-              <a:t>    -------------------PORTB----------------</a:t>
+              <a:t>'' IO:    ---------------------------------</a:t>
             </a:r>
           </a:p>
           <a:p>
@@ -8648,7 +8676,7 @@
                 <a:latin typeface="Courier New" panose="02070309020205020404" pitchFamily="49" charset="0"/>
                 <a:cs typeface="Courier New" panose="02070309020205020404" pitchFamily="49" charset="0"/>
               </a:rPr>
-              <a:t>    Bit#:  -7---6---5---4---3---2---1---0---</a:t>
+              <a:t>''-----------------------------------------</a:t>
             </a:r>
           </a:p>
           <a:p>
@@ -8657,8 +8685,14 @@
                 <a:latin typeface="Courier New" panose="02070309020205020404" pitchFamily="49" charset="0"/>
                 <a:cs typeface="Courier New" panose="02070309020205020404" pitchFamily="49" charset="0"/>
               </a:rPr>
-              <a:t>    IO:    ----------------LED-LED-LED-LED--</a:t>
-            </a:r>
+              <a:t>''</a:t>
+            </a:r>
+          </a:p>
+          <a:p>
+            <a:endParaRPr lang="en-GB" sz="1200" b="1" dirty="0">
+              <a:latin typeface="Courier New" panose="02070309020205020404" pitchFamily="49" charset="0"/>
+              <a:cs typeface="Courier New" panose="02070309020205020404" pitchFamily="49" charset="0"/>
+            </a:endParaRPr>
           </a:p>
           <a:p>
             <a:r>
@@ -8666,7 +8700,7 @@
                 <a:latin typeface="Courier New" panose="02070309020205020404" pitchFamily="49" charset="0"/>
                 <a:cs typeface="Courier New" panose="02070309020205020404" pitchFamily="49" charset="0"/>
               </a:rPr>
-              <a:t>    ----------------------------------------</a:t>
+              <a:t>'' ------------------PORTC-----------------</a:t>
             </a:r>
           </a:p>
           <a:p>
@@ -8675,7 +8709,7 @@
                 <a:latin typeface="Courier New" panose="02070309020205020404" pitchFamily="49" charset="0"/>
                 <a:cs typeface="Courier New" panose="02070309020205020404" pitchFamily="49" charset="0"/>
               </a:rPr>
-              <a:t>    </a:t>
+              <a:t>'' Bit#:  -7---6---5---4---3---2---1---0---</a:t>
             </a:r>
           </a:p>
           <a:p>
@@ -8684,7 +8718,7 @@
                 <a:latin typeface="Courier New" panose="02070309020205020404" pitchFamily="49" charset="0"/>
                 <a:cs typeface="Courier New" panose="02070309020205020404" pitchFamily="49" charset="0"/>
               </a:rPr>
-              <a:t>    ------------------PORTC-----------------</a:t>
+              <a:t>'' IO:    ---------------LED--LED-LED-LED--</a:t>
             </a:r>
           </a:p>
           <a:p>
@@ -8693,7 +8727,7 @@
                 <a:latin typeface="Courier New" panose="02070309020205020404" pitchFamily="49" charset="0"/>
                 <a:cs typeface="Courier New" panose="02070309020205020404" pitchFamily="49" charset="0"/>
               </a:rPr>
-              <a:t>    Bit#:  -X---6---5---4---3---2---1---0---</a:t>
+              <a:t>''-----------------------------------------</a:t>
             </a:r>
           </a:p>
           <a:p>
@@ -8702,52 +8736,7 @@
                 <a:latin typeface="Courier New" panose="02070309020205020404" pitchFamily="49" charset="0"/>
                 <a:cs typeface="Courier New" panose="02070309020205020404" pitchFamily="49" charset="0"/>
               </a:rPr>
-              <a:t>    IO:    -^-------------------------------</a:t>
-            </a:r>
-          </a:p>
-          <a:p>
-            <a:r>
-              <a:rPr lang="en-GB" sz="1200" b="1" dirty="0">
-                <a:latin typeface="Courier New" panose="02070309020205020404" pitchFamily="49" charset="0"/>
-                <a:cs typeface="Courier New" panose="02070309020205020404" pitchFamily="49" charset="0"/>
-              </a:rPr>
-              <a:t>    -----VDDIO2----------------------------- </a:t>
-            </a:r>
-            <a:endParaRPr lang="en-GB" sz="1200" b="1" dirty="0" smtClean="0">
-              <a:latin typeface="Courier New" panose="02070309020205020404" pitchFamily="49" charset="0"/>
-              <a:cs typeface="Courier New" panose="02070309020205020404" pitchFamily="49" charset="0"/>
-            </a:endParaRPr>
-          </a:p>
-          <a:p>
-            <a:r>
-              <a:rPr lang="en-GB" sz="1200" b="1" dirty="0">
-                <a:latin typeface="Courier New" panose="02070309020205020404" pitchFamily="49" charset="0"/>
-                <a:cs typeface="Courier New" panose="02070309020205020404" pitchFamily="49" charset="0"/>
-              </a:rPr>
-              <a:t> </a:t>
-            </a:r>
-            <a:r>
-              <a:rPr lang="en-GB" sz="1200" b="1" dirty="0" smtClean="0">
-                <a:latin typeface="Courier New" panose="02070309020205020404" pitchFamily="49" charset="0"/>
-                <a:cs typeface="Courier New" panose="02070309020205020404" pitchFamily="49" charset="0"/>
-              </a:rPr>
-              <a:t>   You </a:t>
-            </a:r>
-            <a:r>
-              <a:rPr lang="en-GB" sz="1200" b="1" dirty="0">
-                <a:latin typeface="Courier New" panose="02070309020205020404" pitchFamily="49" charset="0"/>
-                <a:cs typeface="Courier New" panose="02070309020205020404" pitchFamily="49" charset="0"/>
-              </a:rPr>
-              <a:t>must apply correct Voltage</a:t>
-            </a:r>
-          </a:p>
-          <a:p>
-            <a:r>
-              <a:rPr lang="en-GB" sz="1200" b="1" dirty="0">
-                <a:latin typeface="Courier New" panose="02070309020205020404" pitchFamily="49" charset="0"/>
-                <a:cs typeface="Courier New" panose="02070309020205020404" pitchFamily="49" charset="0"/>
-              </a:rPr>
-              <a:t/>
+              <a:t>''</a:t>
             </a:r>
             <a:br>
               <a:rPr lang="en-GB" sz="1200" b="1" dirty="0">
@@ -8763,6 +8752,11 @@
         </p:txBody>
       </p:sp>
     </p:spTree>
+    <p:extLst>
+      <p:ext uri="{BB962C8B-B14F-4D97-AF65-F5344CB8AC3E}">
+        <p14:creationId xmlns:p14="http://schemas.microsoft.com/office/powerpoint/2010/main" val="3545561546"/>
+      </p:ext>
+    </p:extLst>
   </p:cSld>
   <p:clrMapOvr>
     <a:masterClrMapping/>
@@ -8850,7 +8844,6 @@
               <a:rPr lang="en-GB" dirty="0" smtClean="0"/>
               <a:t>Read the ADC to set the LEDs</a:t>
             </a:r>
-            <a:endParaRPr lang="en-GB" dirty="0" smtClean="0"/>
           </a:p>
           <a:p>
             <a:endParaRPr lang="en-GB" dirty="0"/>
@@ -8865,23 +8858,14 @@
             <a:pPr lvl="1"/>
             <a:r>
               <a:rPr lang="en-GB" dirty="0" smtClean="0"/>
-              <a:t>A Byte </a:t>
-            </a:r>
+              <a:t>A Byte variable</a:t>
+            </a:r>
+          </a:p>
+          <a:p>
+            <a:pPr lvl="1"/>
             <a:r>
               <a:rPr lang="en-GB" dirty="0" smtClean="0"/>
-              <a:t>variable</a:t>
-            </a:r>
-            <a:endParaRPr lang="en-GB" dirty="0" smtClean="0"/>
-          </a:p>
-          <a:p>
-            <a:pPr lvl="1"/>
-            <a:r>
-              <a:rPr lang="en-GB" dirty="0" smtClean="0"/>
-              <a:t>Simple </a:t>
-            </a:r>
-            <a:r>
-              <a:rPr lang="en-GB" dirty="0" smtClean="0"/>
-              <a:t>logic</a:t>
+              <a:t>Simple logic</a:t>
             </a:r>
           </a:p>
           <a:p>
@@ -9789,8 +9773,9 @@
           <a:p>
             <a:r>
               <a:rPr lang="en-GB" dirty="0" smtClean="0"/>
-              <a:t>PIC18FxxQ24</a:t>
-            </a:r>
+              <a:t>PIC16F175xx</a:t>
+            </a:r>
+            <a:endParaRPr lang="en-GB" dirty="0" smtClean="0"/>
           </a:p>
           <a:p>
             <a:r>
@@ -9803,7 +9788,7 @@
       </p:sp>
       <p:pic>
         <p:nvPicPr>
-          <p:cNvPr id="10" name="Picture 2" descr="PIC18F26Q24"/>
+          <p:cNvPr id="7" name="Picture 4" descr="PIC16F17556 | Microchip Technology"/>
           <p:cNvPicPr>
             <a:picLocks noChangeAspect="1" noChangeArrowheads="1"/>
           </p:cNvPicPr>
@@ -9824,8 +9809,49 @@
         </p:blipFill>
         <p:spPr bwMode="auto">
           <a:xfrm>
-            <a:off x="1907705" y="4116163"/>
-            <a:ext cx="1280738" cy="922132"/>
+            <a:off x="6721801" y="3974993"/>
+            <a:ext cx="2415427" cy="1178257"/>
+          </a:xfrm>
+          <a:prstGeom prst="rect">
+            <a:avLst/>
+          </a:prstGeom>
+          <a:noFill/>
+          <a:extLst>
+            <a:ext uri="{909E8E84-426E-40DD-AFC4-6F175D3DCCD1}">
+              <a14:hiddenFill xmlns:a14="http://schemas.microsoft.com/office/drawing/2010/main">
+                <a:solidFill>
+                  <a:srgbClr val="FFFFFF"/>
+                </a:solidFill>
+              </a14:hiddenFill>
+            </a:ext>
+          </a:extLst>
+        </p:spPr>
+      </p:pic>
+      <p:pic>
+        <p:nvPicPr>
+          <p:cNvPr id="9" name="Picture 6" descr="PIC16F19175 | Microchip Technology"/>
+          <p:cNvPicPr>
+            <a:picLocks noChangeAspect="1" noChangeArrowheads="1"/>
+          </p:cNvPicPr>
+          <p:nvPr/>
+        </p:nvPicPr>
+        <p:blipFill>
+          <a:blip r:embed="rId4" cstate="print">
+            <a:extLst>
+              <a:ext uri="{28A0092B-C50C-407E-A947-70E740481C1C}">
+                <a14:useLocalDpi xmlns:a14="http://schemas.microsoft.com/office/drawing/2010/main" val="0"/>
+              </a:ext>
+            </a:extLst>
+          </a:blip>
+          <a:srcRect/>
+          <a:stretch>
+            <a:fillRect/>
+          </a:stretch>
+        </p:blipFill>
+        <p:spPr bwMode="auto">
+          <a:xfrm>
+            <a:off x="2615057" y="3943142"/>
+            <a:ext cx="1384038" cy="1192111"/>
           </a:xfrm>
           <a:prstGeom prst="rect">
             <a:avLst/>
@@ -10348,8 +10374,9 @@
           <a:p>
             <a:r>
               <a:rPr lang="en-GB" dirty="0" smtClean="0"/>
-              <a:t>PIC18FxxQ24</a:t>
-            </a:r>
+              <a:t>PIC16F175xx</a:t>
+            </a:r>
+            <a:endParaRPr lang="en-GB" dirty="0" smtClean="0"/>
           </a:p>
           <a:p>
             <a:r>
@@ -10362,7 +10389,7 @@
       </p:sp>
       <p:pic>
         <p:nvPicPr>
-          <p:cNvPr id="10" name="Picture 2" descr="PIC18F26Q24"/>
+          <p:cNvPr id="7" name="Picture 4" descr="PIC16F17556 | Microchip Technology"/>
           <p:cNvPicPr>
             <a:picLocks noChangeAspect="1" noChangeArrowheads="1"/>
           </p:cNvPicPr>
@@ -10383,8 +10410,49 @@
         </p:blipFill>
         <p:spPr bwMode="auto">
           <a:xfrm>
-            <a:off x="1907705" y="4116163"/>
-            <a:ext cx="1280738" cy="922132"/>
+            <a:off x="6721801" y="3974993"/>
+            <a:ext cx="2415427" cy="1178257"/>
+          </a:xfrm>
+          <a:prstGeom prst="rect">
+            <a:avLst/>
+          </a:prstGeom>
+          <a:noFill/>
+          <a:extLst>
+            <a:ext uri="{909E8E84-426E-40DD-AFC4-6F175D3DCCD1}">
+              <a14:hiddenFill xmlns:a14="http://schemas.microsoft.com/office/drawing/2010/main">
+                <a:solidFill>
+                  <a:srgbClr val="FFFFFF"/>
+                </a:solidFill>
+              </a14:hiddenFill>
+            </a:ext>
+          </a:extLst>
+        </p:spPr>
+      </p:pic>
+      <p:pic>
+        <p:nvPicPr>
+          <p:cNvPr id="9" name="Picture 6" descr="PIC16F19175 | Microchip Technology"/>
+          <p:cNvPicPr>
+            <a:picLocks noChangeAspect="1" noChangeArrowheads="1"/>
+          </p:cNvPicPr>
+          <p:nvPr/>
+        </p:nvPicPr>
+        <p:blipFill>
+          <a:blip r:embed="rId4" cstate="print">
+            <a:extLst>
+              <a:ext uri="{28A0092B-C50C-407E-A947-70E740481C1C}">
+                <a14:useLocalDpi xmlns:a14="http://schemas.microsoft.com/office/drawing/2010/main" val="0"/>
+              </a:ext>
+            </a:extLst>
+          </a:blip>
+          <a:srcRect/>
+          <a:stretch>
+            <a:fillRect/>
+          </a:stretch>
+        </p:blipFill>
+        <p:spPr bwMode="auto">
+          <a:xfrm>
+            <a:off x="2615057" y="3943142"/>
+            <a:ext cx="1384038" cy="1192111"/>
           </a:xfrm>
           <a:prstGeom prst="rect">
             <a:avLst/>
@@ -10597,9 +10665,38 @@
           </a:p>
         </p:txBody>
       </p:sp>
+      <p:sp>
+        <p:nvSpPr>
+          <p:cNvPr id="11" name="Date Placeholder 3"/>
+          <p:cNvSpPr>
+            <a:spLocks noGrp="1"/>
+          </p:cNvSpPr>
+          <p:nvPr>
+            <p:ph type="dt" sz="half" idx="10"/>
+          </p:nvPr>
+        </p:nvSpPr>
+        <p:spPr>
+          <a:xfrm>
+            <a:off x="5940152" y="4384422"/>
+            <a:ext cx="527912" cy="305233"/>
+          </a:xfrm>
+        </p:spPr>
+        <p:txBody>
+          <a:bodyPr/>
+          <a:lstStyle/>
+          <a:p>
+            <a:fld id="{1E700B27-DE4C-4B9E-BB11-B9027034A00F}" type="datetimeFigureOut">
+              <a:rPr lang="en-US" smtClean="0"/>
+              <a:pPr/>
+              <a:t>11/15/2025</a:t>
+            </a:fld>
+            <a:endParaRPr lang="en-US" dirty="0"/>
+          </a:p>
+        </p:txBody>
+      </p:sp>
       <p:pic>
         <p:nvPicPr>
-          <p:cNvPr id="8" name="Picture 2" descr="PIC18F26Q24"/>
+          <p:cNvPr id="9" name="Picture 4" descr="PIC16F17556 | Microchip Technology"/>
           <p:cNvPicPr>
             <a:picLocks noChangeAspect="1" noChangeArrowheads="1"/>
           </p:cNvPicPr>
@@ -10620,8 +10717,8 @@
         </p:blipFill>
         <p:spPr bwMode="auto">
           <a:xfrm>
-            <a:off x="1907705" y="4116163"/>
-            <a:ext cx="1280738" cy="922132"/>
+            <a:off x="6721801" y="3974993"/>
+            <a:ext cx="2415427" cy="1178257"/>
           </a:xfrm>
           <a:prstGeom prst="rect">
             <a:avLst/>
@@ -10640,14 +10737,14 @@
       </p:pic>
       <p:pic>
         <p:nvPicPr>
-          <p:cNvPr id="10" name="Picture 8" descr="C:\Users\admin\OneDrive\Desktop\Picture1.jpg"/>
+          <p:cNvPr id="12" name="Picture 6" descr="PIC16F19175 | Microchip Technology"/>
           <p:cNvPicPr>
             <a:picLocks noChangeAspect="1" noChangeArrowheads="1"/>
           </p:cNvPicPr>
           <p:nvPr/>
         </p:nvPicPr>
         <p:blipFill>
-          <a:blip r:embed="rId4">
+          <a:blip r:embed="rId4" cstate="print">
             <a:extLst>
               <a:ext uri="{28A0092B-C50C-407E-A947-70E740481C1C}">
                 <a14:useLocalDpi xmlns:a14="http://schemas.microsoft.com/office/drawing/2010/main" val="0"/>
@@ -10661,8 +10758,8 @@
         </p:blipFill>
         <p:spPr bwMode="auto">
           <a:xfrm>
-            <a:off x="3995936" y="3937587"/>
-            <a:ext cx="2320300" cy="1129258"/>
+            <a:off x="2615057" y="3943142"/>
+            <a:ext cx="1384038" cy="1192111"/>
           </a:xfrm>
           <a:prstGeom prst="rect">
             <a:avLst/>
@@ -10679,35 +10776,6 @@
           </a:extLst>
         </p:spPr>
       </p:pic>
-      <p:sp>
-        <p:nvSpPr>
-          <p:cNvPr id="11" name="Date Placeholder 3"/>
-          <p:cNvSpPr>
-            <a:spLocks noGrp="1"/>
-          </p:cNvSpPr>
-          <p:nvPr>
-            <p:ph type="dt" sz="half" idx="10"/>
-          </p:nvPr>
-        </p:nvSpPr>
-        <p:spPr>
-          <a:xfrm>
-            <a:off x="6113182" y="4384422"/>
-            <a:ext cx="354882" cy="305233"/>
-          </a:xfrm>
-        </p:spPr>
-        <p:txBody>
-          <a:bodyPr/>
-          <a:lstStyle/>
-          <a:p>
-            <a:fld id="{1E700B27-DE4C-4B9E-BB11-B9027034A00F}" type="datetimeFigureOut">
-              <a:rPr lang="en-US" smtClean="0"/>
-              <a:pPr/>
-              <a:t>11/17/2024</a:t>
-            </a:fld>
-            <a:endParaRPr lang="en-US" dirty="0"/>
-          </a:p>
-        </p:txBody>
-      </p:sp>
     </p:spTree>
     <p:extLst>
       <p:ext uri="{BB962C8B-B14F-4D97-AF65-F5344CB8AC3E}">
@@ -10771,7 +10839,7 @@
             <a:pPr algn="l"/>
             <a:r>
               <a:rPr lang="en-GB" dirty="0" smtClean="0"/>
-              <a:t>PIC18FxxQ24</a:t>
+              <a:t>PIC16F175xx</a:t>
             </a:r>
             <a:endParaRPr lang="en-GB" dirty="0"/>
           </a:p>
@@ -11462,7 +11530,15 @@
           <a:p>
             <a:r>
               <a:rPr lang="en-GB" dirty="0" smtClean="0"/>
-              <a:t>GCBASIC now supports the 18FxxQ24 chip family</a:t>
+              <a:t>GCBASIC now supports the </a:t>
+            </a:r>
+            <a:r>
+              <a:rPr lang="en-GB" dirty="0" smtClean="0"/>
+              <a:t>16F175xx </a:t>
+            </a:r>
+            <a:r>
+              <a:rPr lang="en-GB" dirty="0" smtClean="0"/>
+              <a:t>chip family</a:t>
             </a:r>
             <a:endParaRPr lang="en-GB" dirty="0"/>
           </a:p>
@@ -11473,11 +11549,11 @@
   <p:clrMapOvr>
     <a:masterClrMapping/>
   </p:clrMapOvr>
-  <mc:AlternateContent xmlns:mc="http://schemas.openxmlformats.org/markup-compatibility/2006">
-    <mc:Choice xmlns:p14="http://schemas.microsoft.com/office/powerpoint/2010/main" Requires="p14">
+  <mc:AlternateContent xmlns:mc="http://schemas.openxmlformats.org/markup-compatibility/2006" xmlns:p14="http://schemas.microsoft.com/office/powerpoint/2010/main">
+    <mc:Choice Requires="p14">
       <p:transition spd="slow" p14:dur="2000"/>
     </mc:Choice>
-    <mc:Fallback>
+    <mc:Fallback xmlns="">
       <p:transition spd="slow"/>
     </mc:Fallback>
   </mc:AlternateContent>
@@ -11579,11 +11655,11 @@
   <p:clrMapOvr>
     <a:masterClrMapping/>
   </p:clrMapOvr>
-  <mc:AlternateContent xmlns:mc="http://schemas.openxmlformats.org/markup-compatibility/2006">
-    <mc:Choice xmlns:p14="http://schemas.microsoft.com/office/powerpoint/2010/main" Requires="p14">
+  <mc:AlternateContent xmlns:mc="http://schemas.openxmlformats.org/markup-compatibility/2006" xmlns:p14="http://schemas.microsoft.com/office/powerpoint/2010/main">
+    <mc:Choice Requires="p14">
       <p:transition spd="slow" p14:dur="2000" advClick="0"/>
     </mc:Choice>
-    <mc:Fallback>
+    <mc:Fallback xmlns="">
       <p:transition spd="slow" advClick="0"/>
     </mc:Fallback>
   </mc:AlternateContent>
@@ -11614,81 +11690,22 @@
           <a:chExt cx="0" cy="0"/>
         </a:xfrm>
       </p:grpSpPr>
-      <p:pic>
-        <p:nvPicPr>
-          <p:cNvPr id="9" name="Picture 2"/>
-          <p:cNvPicPr>
-            <a:picLocks noGrp="1" noChangeAspect="1" noChangeArrowheads="1"/>
-          </p:cNvPicPr>
-          <p:nvPr>
-            <p:ph idx="1"/>
-          </p:nvPr>
-        </p:nvPicPr>
-        <p:blipFill rotWithShape="1">
-          <a:blip r:embed="rId2">
-            <a:extLst>
-              <a:ext uri="{28A0092B-C50C-407E-A947-70E740481C1C}">
-                <a14:useLocalDpi xmlns:a14="http://schemas.microsoft.com/office/drawing/2010/main" val="0"/>
-              </a:ext>
-            </a:extLst>
-          </a:blip>
-          <a:srcRect l="6459" r="22745" b="29280"/>
-          <a:stretch/>
-        </p:blipFill>
-        <p:spPr bwMode="auto">
+      <p:sp>
+        <p:nvSpPr>
+          <p:cNvPr id="2" name="Title 1"/>
+          <p:cNvSpPr>
+            <a:spLocks noGrp="1"/>
+          </p:cNvSpPr>
+          <p:nvPr>
+            <p:ph type="title"/>
+          </p:nvPr>
+        </p:nvSpPr>
+        <p:spPr>
           <a:xfrm>
-            <a:off x="882650" y="1491631"/>
-            <a:ext cx="3619500" cy="3156570"/>
+            <a:off x="155575" y="357014"/>
+            <a:ext cx="5400600" cy="990600"/>
           </a:xfrm>
-          <a:prstGeom prst="rect">
-            <a:avLst/>
-          </a:prstGeom>
-          <a:noFill/>
-          <a:ln>
-            <a:noFill/>
-          </a:ln>
-          <a:effectLst/>
-          <a:extLst>
-            <a:ext uri="{909E8E84-426E-40DD-AFC4-6F175D3DCCD1}">
-              <a14:hiddenFill xmlns:a14="http://schemas.microsoft.com/office/drawing/2010/main">
-                <a:solidFill>
-                  <a:schemeClr val="accent1"/>
-                </a:solidFill>
-              </a14:hiddenFill>
-            </a:ext>
-            <a:ext uri="{91240B29-F687-4F45-9708-019B960494DF}">
-              <a14:hiddenLine xmlns:a14="http://schemas.microsoft.com/office/drawing/2010/main" w="9525">
-                <a:solidFill>
-                  <a:schemeClr val="tx1"/>
-                </a:solidFill>
-                <a:miter lim="800000"/>
-                <a:headEnd/>
-                <a:tailEnd/>
-              </a14:hiddenLine>
-            </a:ext>
-            <a:ext uri="{AF507438-7753-43E0-B8FC-AC1667EBCBE1}">
-              <a14:hiddenEffects xmlns:a14="http://schemas.microsoft.com/office/drawing/2010/main">
-                <a:effectLst>
-                  <a:outerShdw dist="35921" dir="2700000" algn="ctr" rotWithShape="0">
-                    <a:schemeClr val="bg2"/>
-                  </a:outerShdw>
-                </a:effectLst>
-              </a14:hiddenEffects>
-            </a:ext>
-          </a:extLst>
         </p:spPr>
-      </p:pic>
-      <p:sp>
-        <p:nvSpPr>
-          <p:cNvPr id="2" name="Title 1"/>
-          <p:cNvSpPr>
-            <a:spLocks noGrp="1"/>
-          </p:cNvSpPr>
-          <p:nvPr>
-            <p:ph type="title"/>
-          </p:nvPr>
-        </p:nvSpPr>
-        <p:spPr/>
         <p:txBody>
           <a:bodyPr vert="horz" lIns="85064" tIns="42531" rIns="85064" bIns="42531" rtlCol="0" anchor="t">
             <a:normAutofit/>
@@ -11717,7 +11734,7 @@
           <p:nvPr/>
         </p:nvPicPr>
         <p:blipFill rotWithShape="1">
-          <a:blip r:embed="rId3" cstate="print"/>
+          <a:blip r:embed="rId2" cstate="print"/>
           <a:srcRect l="59960" t="35915"/>
           <a:stretch/>
         </p:blipFill>
@@ -11751,52 +11768,6 @@
             <a:ext cx="1547664" cy="1512168"/>
           </a:xfrm>
           <a:prstGeom prst="ellipse">
-            <a:avLst/>
-          </a:prstGeom>
-          <a:noFill/>
-          <a:ln>
-            <a:solidFill>
-              <a:srgbClr val="FF0000"/>
-            </a:solidFill>
-          </a:ln>
-        </p:spPr>
-        <p:style>
-          <a:lnRef idx="2">
-            <a:schemeClr val="accent1">
-              <a:shade val="50000"/>
-            </a:schemeClr>
-          </a:lnRef>
-          <a:fillRef idx="1">
-            <a:schemeClr val="accent1"/>
-          </a:fillRef>
-          <a:effectRef idx="0">
-            <a:schemeClr val="accent1"/>
-          </a:effectRef>
-          <a:fontRef idx="minor">
-            <a:schemeClr val="lt1"/>
-          </a:fontRef>
-        </p:style>
-        <p:txBody>
-          <a:bodyPr rtlCol="0" anchor="ctr"/>
-          <a:lstStyle/>
-          <a:p>
-            <a:pPr algn="ctr"/>
-            <a:endParaRPr lang="en-GB"/>
-          </a:p>
-        </p:txBody>
-      </p:sp>
-      <p:sp>
-        <p:nvSpPr>
-          <p:cNvPr id="10" name="Rectangle 9"/>
-          <p:cNvSpPr/>
-          <p:nvPr/>
-        </p:nvSpPr>
-        <p:spPr>
-          <a:xfrm>
-            <a:off x="1581200" y="2381498"/>
-            <a:ext cx="1368152" cy="144016"/>
-          </a:xfrm>
-          <a:prstGeom prst="rect">
             <a:avLst/>
           </a:prstGeom>
           <a:noFill/>
@@ -11912,6 +11883,367 @@
           </a:fontRef>
         </p:style>
       </p:cxnSp>
+      <p:sp>
+        <p:nvSpPr>
+          <p:cNvPr id="5" name="AutoShape 4" descr="Uploaded image"/>
+          <p:cNvSpPr>
+            <a:spLocks noChangeAspect="1" noChangeArrowheads="1"/>
+          </p:cNvSpPr>
+          <p:nvPr/>
+        </p:nvSpPr>
+        <p:spPr bwMode="auto">
+          <a:xfrm>
+            <a:off x="155575" y="-144463"/>
+            <a:ext cx="304800" cy="304801"/>
+          </a:xfrm>
+          <a:prstGeom prst="rect">
+            <a:avLst/>
+          </a:prstGeom>
+          <a:noFill/>
+          <a:extLst>
+            <a:ext uri="{909E8E84-426E-40DD-AFC4-6F175D3DCCD1}">
+              <a14:hiddenFill xmlns:a14="http://schemas.microsoft.com/office/drawing/2010/main">
+                <a:solidFill>
+                  <a:srgbClr val="FFFFFF"/>
+                </a:solidFill>
+              </a14:hiddenFill>
+            </a:ext>
+          </a:extLst>
+        </p:spPr>
+        <p:txBody>
+          <a:bodyPr vert="horz" wrap="square" lIns="91440" tIns="45720" rIns="91440" bIns="45720" numCol="1" anchor="t" anchorCtr="0" compatLnSpc="1">
+            <a:prstTxWarp prst="textNoShape">
+              <a:avLst/>
+            </a:prstTxWarp>
+          </a:bodyPr>
+          <a:lstStyle/>
+          <a:p>
+            <a:endParaRPr lang="en-GB"/>
+          </a:p>
+        </p:txBody>
+      </p:sp>
+      <p:sp>
+        <p:nvSpPr>
+          <p:cNvPr id="8" name="AutoShape 6" descr="Uploaded image"/>
+          <p:cNvSpPr>
+            <a:spLocks noChangeAspect="1" noChangeArrowheads="1"/>
+          </p:cNvSpPr>
+          <p:nvPr/>
+        </p:nvSpPr>
+        <p:spPr bwMode="auto">
+          <a:xfrm>
+            <a:off x="307975" y="7937"/>
+            <a:ext cx="304800" cy="304801"/>
+          </a:xfrm>
+          <a:prstGeom prst="rect">
+            <a:avLst/>
+          </a:prstGeom>
+          <a:noFill/>
+          <a:extLst>
+            <a:ext uri="{909E8E84-426E-40DD-AFC4-6F175D3DCCD1}">
+              <a14:hiddenFill xmlns:a14="http://schemas.microsoft.com/office/drawing/2010/main">
+                <a:solidFill>
+                  <a:srgbClr val="FFFFFF"/>
+                </a:solidFill>
+              </a14:hiddenFill>
+            </a:ext>
+          </a:extLst>
+        </p:spPr>
+        <p:txBody>
+          <a:bodyPr vert="horz" wrap="square" lIns="91440" tIns="45720" rIns="91440" bIns="45720" numCol="1" anchor="t" anchorCtr="0" compatLnSpc="1">
+            <a:prstTxWarp prst="textNoShape">
+              <a:avLst/>
+            </a:prstTxWarp>
+          </a:bodyPr>
+          <a:lstStyle/>
+          <a:p>
+            <a:endParaRPr lang="en-GB"/>
+          </a:p>
+        </p:txBody>
+      </p:sp>
+      <p:sp>
+        <p:nvSpPr>
+          <p:cNvPr id="11" name="AutoShape 8" descr="image.png"/>
+          <p:cNvSpPr>
+            <a:spLocks noChangeAspect="1" noChangeArrowheads="1"/>
+          </p:cNvSpPr>
+          <p:nvPr/>
+        </p:nvSpPr>
+        <p:spPr bwMode="auto">
+          <a:xfrm>
+            <a:off x="460375" y="160337"/>
+            <a:ext cx="304800" cy="304801"/>
+          </a:xfrm>
+          <a:prstGeom prst="rect">
+            <a:avLst/>
+          </a:prstGeom>
+          <a:noFill/>
+          <a:extLst>
+            <a:ext uri="{909E8E84-426E-40DD-AFC4-6F175D3DCCD1}">
+              <a14:hiddenFill xmlns:a14="http://schemas.microsoft.com/office/drawing/2010/main">
+                <a:solidFill>
+                  <a:srgbClr val="FFFFFF"/>
+                </a:solidFill>
+              </a14:hiddenFill>
+            </a:ext>
+          </a:extLst>
+        </p:spPr>
+        <p:txBody>
+          <a:bodyPr vert="horz" wrap="square" lIns="91440" tIns="45720" rIns="91440" bIns="45720" numCol="1" anchor="t" anchorCtr="0" compatLnSpc="1">
+            <a:prstTxWarp prst="textNoShape">
+              <a:avLst/>
+            </a:prstTxWarp>
+          </a:bodyPr>
+          <a:lstStyle/>
+          <a:p>
+            <a:endParaRPr lang="en-GB"/>
+          </a:p>
+        </p:txBody>
+      </p:sp>
+      <p:grpSp>
+        <p:nvGrpSpPr>
+          <p:cNvPr id="25" name="Group 24"/>
+          <p:cNvGrpSpPr/>
+          <p:nvPr/>
+        </p:nvGrpSpPr>
+        <p:grpSpPr>
+          <a:xfrm>
+            <a:off x="547911" y="1506852"/>
+            <a:ext cx="4384129" cy="2950848"/>
+            <a:chOff x="1043608" y="1506852"/>
+            <a:chExt cx="4384129" cy="2950848"/>
+          </a:xfrm>
+        </p:grpSpPr>
+        <p:pic>
+          <p:nvPicPr>
+            <p:cNvPr id="1036" name="Picture 12"/>
+            <p:cNvPicPr>
+              <a:picLocks noChangeAspect="1" noChangeArrowheads="1"/>
+            </p:cNvPicPr>
+            <p:nvPr/>
+          </p:nvPicPr>
+          <p:blipFill>
+            <a:blip r:embed="rId3">
+              <a:extLst>
+                <a:ext uri="{28A0092B-C50C-407E-A947-70E740481C1C}">
+                  <a14:useLocalDpi xmlns:a14="http://schemas.microsoft.com/office/drawing/2010/main" val="0"/>
+                </a:ext>
+              </a:extLst>
+            </a:blip>
+            <a:srcRect/>
+            <a:stretch>
+              <a:fillRect/>
+            </a:stretch>
+          </p:blipFill>
+          <p:spPr bwMode="auto">
+            <a:xfrm>
+              <a:off x="1043608" y="1533525"/>
+              <a:ext cx="1476375" cy="2924175"/>
+            </a:xfrm>
+            <a:prstGeom prst="rect">
+              <a:avLst/>
+            </a:prstGeom>
+            <a:noFill/>
+            <a:ln>
+              <a:noFill/>
+            </a:ln>
+            <a:effectLst/>
+            <a:extLst>
+              <a:ext uri="{909E8E84-426E-40DD-AFC4-6F175D3DCCD1}">
+                <a14:hiddenFill xmlns:a14="http://schemas.microsoft.com/office/drawing/2010/main">
+                  <a:solidFill>
+                    <a:schemeClr val="accent1"/>
+                  </a:solidFill>
+                </a14:hiddenFill>
+              </a:ext>
+              <a:ext uri="{91240B29-F687-4F45-9708-019B960494DF}">
+                <a14:hiddenLine xmlns:a14="http://schemas.microsoft.com/office/drawing/2010/main" w="9525">
+                  <a:solidFill>
+                    <a:schemeClr val="tx1"/>
+                  </a:solidFill>
+                  <a:miter lim="800000"/>
+                  <a:headEnd/>
+                  <a:tailEnd/>
+                </a14:hiddenLine>
+              </a:ext>
+              <a:ext uri="{AF507438-7753-43E0-B8FC-AC1667EBCBE1}">
+                <a14:hiddenEffects xmlns:a14="http://schemas.microsoft.com/office/drawing/2010/main">
+                  <a:effectLst>
+                    <a:outerShdw dist="35921" dir="2700000" algn="ctr" rotWithShape="0">
+                      <a:schemeClr val="bg2"/>
+                    </a:outerShdw>
+                  </a:effectLst>
+                </a14:hiddenEffects>
+              </a:ext>
+            </a:extLst>
+          </p:spPr>
+        </p:pic>
+        <p:pic>
+          <p:nvPicPr>
+            <p:cNvPr id="1037" name="Picture 13"/>
+            <p:cNvPicPr>
+              <a:picLocks noChangeAspect="1" noChangeArrowheads="1"/>
+            </p:cNvPicPr>
+            <p:nvPr/>
+          </p:nvPicPr>
+          <p:blipFill>
+            <a:blip r:embed="rId4">
+              <a:extLst>
+                <a:ext uri="{28A0092B-C50C-407E-A947-70E740481C1C}">
+                  <a14:useLocalDpi xmlns:a14="http://schemas.microsoft.com/office/drawing/2010/main" val="0"/>
+                </a:ext>
+              </a:extLst>
+            </a:blip>
+            <a:srcRect/>
+            <a:stretch>
+              <a:fillRect/>
+            </a:stretch>
+          </p:blipFill>
+          <p:spPr bwMode="auto">
+            <a:xfrm>
+              <a:off x="3779912" y="1506852"/>
+              <a:ext cx="1647825" cy="2950848"/>
+            </a:xfrm>
+            <a:prstGeom prst="rect">
+              <a:avLst/>
+            </a:prstGeom>
+            <a:noFill/>
+            <a:ln>
+              <a:noFill/>
+            </a:ln>
+            <a:effectLst/>
+            <a:extLst>
+              <a:ext uri="{909E8E84-426E-40DD-AFC4-6F175D3DCCD1}">
+                <a14:hiddenFill xmlns:a14="http://schemas.microsoft.com/office/drawing/2010/main">
+                  <a:solidFill>
+                    <a:schemeClr val="accent1"/>
+                  </a:solidFill>
+                </a14:hiddenFill>
+              </a:ext>
+              <a:ext uri="{91240B29-F687-4F45-9708-019B960494DF}">
+                <a14:hiddenLine xmlns:a14="http://schemas.microsoft.com/office/drawing/2010/main" w="9525">
+                  <a:solidFill>
+                    <a:schemeClr val="tx1"/>
+                  </a:solidFill>
+                  <a:miter lim="800000"/>
+                  <a:headEnd/>
+                  <a:tailEnd/>
+                </a14:hiddenLine>
+              </a:ext>
+              <a:ext uri="{AF507438-7753-43E0-B8FC-AC1667EBCBE1}">
+                <a14:hiddenEffects xmlns:a14="http://schemas.microsoft.com/office/drawing/2010/main">
+                  <a:effectLst>
+                    <a:outerShdw dist="35921" dir="2700000" algn="ctr" rotWithShape="0">
+                      <a:schemeClr val="bg2"/>
+                    </a:outerShdw>
+                  </a:effectLst>
+                </a14:hiddenEffects>
+              </a:ext>
+            </a:extLst>
+          </p:spPr>
+        </p:pic>
+        <p:sp>
+          <p:nvSpPr>
+            <p:cNvPr id="24" name="Rectangle 23"/>
+            <p:cNvSpPr/>
+            <p:nvPr/>
+          </p:nvSpPr>
+          <p:spPr>
+            <a:xfrm>
+              <a:off x="2555776" y="1563638"/>
+              <a:ext cx="1152128" cy="2894062"/>
+            </a:xfrm>
+            <a:prstGeom prst="rect">
+              <a:avLst/>
+            </a:prstGeom>
+            <a:solidFill>
+              <a:schemeClr val="bg1"/>
+            </a:solidFill>
+          </p:spPr>
+          <p:style>
+            <a:lnRef idx="2">
+              <a:schemeClr val="accent1">
+                <a:shade val="50000"/>
+              </a:schemeClr>
+            </a:lnRef>
+            <a:fillRef idx="1">
+              <a:schemeClr val="accent1"/>
+            </a:fillRef>
+            <a:effectRef idx="0">
+              <a:schemeClr val="accent1"/>
+            </a:effectRef>
+            <a:fontRef idx="minor">
+              <a:schemeClr val="lt1"/>
+            </a:fontRef>
+          </p:style>
+          <p:txBody>
+            <a:bodyPr rtlCol="0" anchor="ctr"/>
+            <a:lstStyle/>
+            <a:p>
+              <a:pPr algn="ctr"/>
+              <a:endParaRPr lang="en-GB" dirty="0"/>
+            </a:p>
+          </p:txBody>
+        </p:sp>
+      </p:grpSp>
+      <p:sp>
+        <p:nvSpPr>
+          <p:cNvPr id="26" name="Rectangle 25"/>
+          <p:cNvSpPr/>
+          <p:nvPr/>
+        </p:nvSpPr>
+        <p:spPr>
+          <a:xfrm>
+            <a:off x="515615" y="1707654"/>
+            <a:ext cx="2120528" cy="288032"/>
+          </a:xfrm>
+          <a:prstGeom prst="rect">
+            <a:avLst/>
+          </a:prstGeom>
+          <a:noFill/>
+          <a:ln w="38100">
+            <a:solidFill>
+              <a:srgbClr val="FF0000"/>
+            </a:solidFill>
+          </a:ln>
+        </p:spPr>
+        <p:style>
+          <a:lnRef idx="2">
+            <a:schemeClr val="accent1">
+              <a:shade val="50000"/>
+            </a:schemeClr>
+          </a:lnRef>
+          <a:fillRef idx="1">
+            <a:schemeClr val="accent1"/>
+          </a:fillRef>
+          <a:effectRef idx="0">
+            <a:schemeClr val="accent1"/>
+          </a:effectRef>
+          <a:fontRef idx="minor">
+            <a:schemeClr val="lt1"/>
+          </a:fontRef>
+        </p:style>
+        <p:txBody>
+          <a:bodyPr rtlCol="0" anchor="ctr"/>
+          <a:lstStyle/>
+          <a:p>
+            <a:pPr algn="r"/>
+            <a:r>
+              <a:rPr lang="en-GB" dirty="0" smtClean="0">
+                <a:solidFill>
+                  <a:schemeClr val="tx1"/>
+                </a:solidFill>
+              </a:rPr>
+              <a:t>ADC</a:t>
+            </a:r>
+            <a:endParaRPr lang="en-GB" dirty="0">
+              <a:solidFill>
+                <a:schemeClr val="tx1"/>
+              </a:solidFill>
+            </a:endParaRPr>
+          </a:p>
+        </p:txBody>
+      </p:sp>
     </p:spTree>
     <p:extLst>
       <p:ext uri="{BB962C8B-B14F-4D97-AF65-F5344CB8AC3E}">
@@ -11922,11 +12254,11 @@
   <p:clrMapOvr>
     <a:masterClrMapping/>
   </p:clrMapOvr>
-  <mc:AlternateContent xmlns:mc="http://schemas.openxmlformats.org/markup-compatibility/2006">
-    <mc:Choice xmlns:p14="http://schemas.microsoft.com/office/powerpoint/2010/main" Requires="p14">
+  <mc:AlternateContent xmlns:mc="http://schemas.openxmlformats.org/markup-compatibility/2006" xmlns:p14="http://schemas.microsoft.com/office/powerpoint/2010/main">
+    <mc:Choice Requires="p14">
       <p:transition spd="slow" p14:dur="2000" advClick="0"/>
     </mc:Choice>
-    <mc:Fallback>
+    <mc:Fallback xmlns="">
       <p:transition spd="slow" advClick="0"/>
     </mc:Fallback>
   </mc:AlternateContent>
@@ -12165,11 +12497,11 @@
   <p:clrMapOvr>
     <a:masterClrMapping/>
   </p:clrMapOvr>
-  <mc:AlternateContent xmlns:mc="http://schemas.openxmlformats.org/markup-compatibility/2006">
-    <mc:Choice xmlns:p14="http://schemas.microsoft.com/office/powerpoint/2010/main" Requires="p14">
+  <mc:AlternateContent xmlns:mc="http://schemas.openxmlformats.org/markup-compatibility/2006" xmlns:p14="http://schemas.microsoft.com/office/powerpoint/2010/main">
+    <mc:Choice Requires="p14">
       <p:transition spd="slow" p14:dur="2000" advClick="0"/>
     </mc:Choice>
-    <mc:Fallback>
+    <mc:Fallback xmlns="">
       <p:transition spd="slow" advClick="0"/>
     </mc:Fallback>
   </mc:AlternateContent>
@@ -12374,7 +12706,7 @@
   <a:extraClrSchemeLst/>
   <a:extLst>
     <a:ext uri="{05A4C25C-085E-4340-85A3-A5531E510DB2}">
-      <thm15:themeFamily xmlns:thm15="http://schemas.microsoft.com/office/thememl/2012/main" xmlns="" name="GCstudioThemeLight" id="{4C740F94-33C0-4EEC-9234-F56C348A0987}" vid="{A43F8B96-90D8-489D-B80F-92F9D6F351CC}"/>
+      <thm15:themeFamily xmlns="" xmlns:thm15="http://schemas.microsoft.com/office/thememl/2012/main" name="GCstudioThemeLight" id="{4C740F94-33C0-4EEC-9234-F56C348A0987}" vid="{A43F8B96-90D8-489D-B80F-92F9D6F351CC}"/>
     </a:ext>
   </a:extLst>
 </a:theme>

--- a/Vendor_Boards/Great_Cow_Basic_Demo_Board/16F17556_chiprange_demonstrations/tutorials/GCBASIC_Part3_ADC.pptx
+++ b/Vendor_Boards/Great_Cow_Basic_Demo_Board/16F17556_chiprange_demonstrations/tutorials/GCBASIC_Part3_ADC.pptx
@@ -14,7 +14,7 @@
     <p:sldId id="294" r:id="rId2"/>
     <p:sldId id="256" r:id="rId3"/>
     <p:sldId id="295" r:id="rId4"/>
-    <p:sldId id="283" r:id="rId5"/>
+    <p:sldId id="306" r:id="rId5"/>
     <p:sldId id="296" r:id="rId6"/>
     <p:sldId id="282" r:id="rId7"/>
     <p:sldId id="300" r:id="rId8"/>
@@ -212,7 +212,7 @@
             <a:fld id="{742E545A-AB39-44F0-B5A6-04A90C6C9399}" type="datetimeFigureOut">
               <a:rPr lang="en-GB" smtClean="0"/>
               <a:pPr/>
-              <a:t>14/11/2025</a:t>
+              <a:t>23/11/2025</a:t>
             </a:fld>
             <a:endParaRPr lang="en-GB"/>
           </a:p>
@@ -379,7 +379,7 @@
             <a:fld id="{FF100B3C-2E11-428B-8555-A77018253716}" type="datetimeFigureOut">
               <a:rPr lang="en-GB" smtClean="0"/>
               <a:pPr/>
-              <a:t>14/11/2025</a:t>
+              <a:t>23/11/2025</a:t>
             </a:fld>
             <a:endParaRPr lang="en-GB"/>
           </a:p>
@@ -672,7 +672,7 @@
           <p:cNvPr id="7" name="Rectangle 6">
             <a:extLst>
               <a:ext uri="{FF2B5EF4-FFF2-40B4-BE49-F238E27FC236}">
-                <a16:creationId xmlns="" xmlns:a16="http://schemas.microsoft.com/office/drawing/2014/main" id="{9C757326-0232-4CDF-81FF-302CA676961B}"/>
+                <a16:creationId xmlns:a16="http://schemas.microsoft.com/office/drawing/2014/main" xmlns="" id="{9C757326-0232-4CDF-81FF-302CA676961B}"/>
               </a:ext>
             </a:extLst>
           </p:cNvPr>
@@ -724,7 +724,7 @@
           <p:cNvPr id="8" name="Picture 7">
             <a:extLst>
               <a:ext uri="{FF2B5EF4-FFF2-40B4-BE49-F238E27FC236}">
-                <a16:creationId xmlns="" xmlns:a16="http://schemas.microsoft.com/office/drawing/2014/main" id="{4987E008-68E6-4A43-85BC-1A6ACDF91DE1}"/>
+                <a16:creationId xmlns:a16="http://schemas.microsoft.com/office/drawing/2014/main" xmlns="" id="{4987E008-68E6-4A43-85BC-1A6ACDF91DE1}"/>
               </a:ext>
             </a:extLst>
           </p:cNvPr>
@@ -753,7 +753,7 @@
           <p:cNvPr id="11" name="Picture 10">
             <a:extLst>
               <a:ext uri="{FF2B5EF4-FFF2-40B4-BE49-F238E27FC236}">
-                <a16:creationId xmlns="" xmlns:a16="http://schemas.microsoft.com/office/drawing/2014/main" id="{A1F8C892-C868-4DF6-91AB-B18CE632B10F}"/>
+                <a16:creationId xmlns:a16="http://schemas.microsoft.com/office/drawing/2014/main" xmlns="" id="{A1F8C892-C868-4DF6-91AB-B18CE632B10F}"/>
               </a:ext>
             </a:extLst>
           </p:cNvPr>
@@ -939,7 +939,7 @@
           <p:cNvPr id="12" name="Text Placeholder 2">
             <a:extLst>
               <a:ext uri="{FF2B5EF4-FFF2-40B4-BE49-F238E27FC236}">
-                <a16:creationId xmlns="" xmlns:a16="http://schemas.microsoft.com/office/drawing/2014/main" id="{D547E580-E6D6-4D97-BB04-05795A830147}"/>
+                <a16:creationId xmlns:a16="http://schemas.microsoft.com/office/drawing/2014/main" xmlns="" id="{D547E580-E6D6-4D97-BB04-05795A830147}"/>
               </a:ext>
             </a:extLst>
           </p:cNvPr>
@@ -1092,7 +1092,7 @@
           <p:cNvPr id="9" name="Picture 8">
             <a:extLst>
               <a:ext uri="{FF2B5EF4-FFF2-40B4-BE49-F238E27FC236}">
-                <a16:creationId xmlns="" xmlns:a16="http://schemas.microsoft.com/office/drawing/2014/main" id="{7CE2C968-D10A-4226-8FDC-CBC4C7EDD0B7}"/>
+                <a16:creationId xmlns:a16="http://schemas.microsoft.com/office/drawing/2014/main" xmlns="" id="{7CE2C968-D10A-4226-8FDC-CBC4C7EDD0B7}"/>
               </a:ext>
             </a:extLst>
           </p:cNvPr>
@@ -1294,7 +1294,7 @@
             <a:fld id="{C473AACB-D821-4991-9D88-46EB8D29E619}" type="datetimeFigureOut">
               <a:rPr lang="en-GB" smtClean="0"/>
               <a:pPr/>
-              <a:t>14/11/2025</a:t>
+              <a:t>23/11/2025</a:t>
             </a:fld>
             <a:endParaRPr lang="en-GB" dirty="0"/>
           </a:p>
@@ -1378,7 +1378,7 @@
           <p:cNvPr id="9" name="Picture 8">
             <a:extLst>
               <a:ext uri="{FF2B5EF4-FFF2-40B4-BE49-F238E27FC236}">
-                <a16:creationId xmlns="" xmlns:a16="http://schemas.microsoft.com/office/drawing/2014/main" id="{6AB5D66D-00C1-40EA-BFC8-305566F10369}"/>
+                <a16:creationId xmlns:a16="http://schemas.microsoft.com/office/drawing/2014/main" xmlns="" id="{6AB5D66D-00C1-40EA-BFC8-305566F10369}"/>
               </a:ext>
             </a:extLst>
           </p:cNvPr>
@@ -1588,7 +1588,7 @@
             <a:fld id="{C473AACB-D821-4991-9D88-46EB8D29E619}" type="datetimeFigureOut">
               <a:rPr lang="en-GB" smtClean="0"/>
               <a:pPr/>
-              <a:t>14/11/2025</a:t>
+              <a:t>23/11/2025</a:t>
             </a:fld>
             <a:endParaRPr lang="en-GB" dirty="0"/>
           </a:p>
@@ -1841,7 +1841,7 @@
             <a:fld id="{C473AACB-D821-4991-9D88-46EB8D29E619}" type="datetimeFigureOut">
               <a:rPr lang="en-GB" smtClean="0"/>
               <a:pPr/>
-              <a:t>14/11/2025</a:t>
+              <a:t>23/11/2025</a:t>
             </a:fld>
             <a:endParaRPr lang="en-GB" dirty="0"/>
           </a:p>
@@ -1895,7 +1895,7 @@
           <p:cNvPr id="8" name="Picture 7">
             <a:extLst>
               <a:ext uri="{FF2B5EF4-FFF2-40B4-BE49-F238E27FC236}">
-                <a16:creationId xmlns="" xmlns:a16="http://schemas.microsoft.com/office/drawing/2014/main" id="{AD4D4CB4-D965-4BB6-B218-086244C13BAE}"/>
+                <a16:creationId xmlns:a16="http://schemas.microsoft.com/office/drawing/2014/main" xmlns="" id="{AD4D4CB4-D965-4BB6-B218-086244C13BAE}"/>
               </a:ext>
             </a:extLst>
           </p:cNvPr>
@@ -2186,7 +2186,7 @@
             <a:fld id="{C473AACB-D821-4991-9D88-46EB8D29E619}" type="datetimeFigureOut">
               <a:rPr lang="en-GB" smtClean="0"/>
               <a:pPr/>
-              <a:t>14/11/2025</a:t>
+              <a:t>23/11/2025</a:t>
             </a:fld>
             <a:endParaRPr lang="en-GB" dirty="0"/>
           </a:p>
@@ -2330,7 +2330,7 @@
           <p:cNvPr id="11" name="Picture 10">
             <a:extLst>
               <a:ext uri="{FF2B5EF4-FFF2-40B4-BE49-F238E27FC236}">
-                <a16:creationId xmlns="" xmlns:a16="http://schemas.microsoft.com/office/drawing/2014/main" id="{A3B58C4E-0EF0-466C-9740-EC9F485CBD03}"/>
+                <a16:creationId xmlns:a16="http://schemas.microsoft.com/office/drawing/2014/main" xmlns="" id="{A3B58C4E-0EF0-466C-9740-EC9F485CBD03}"/>
               </a:ext>
             </a:extLst>
           </p:cNvPr>
@@ -2558,7 +2558,7 @@
             <a:fld id="{C473AACB-D821-4991-9D88-46EB8D29E619}" type="datetimeFigureOut">
               <a:rPr lang="en-GB" smtClean="0"/>
               <a:pPr/>
-              <a:t>14/11/2025</a:t>
+              <a:t>23/11/2025</a:t>
             </a:fld>
             <a:endParaRPr lang="en-GB" dirty="0"/>
           </a:p>
@@ -2612,7 +2612,7 @@
           <p:cNvPr id="7" name="Picture 6">
             <a:extLst>
               <a:ext uri="{FF2B5EF4-FFF2-40B4-BE49-F238E27FC236}">
-                <a16:creationId xmlns="" xmlns:a16="http://schemas.microsoft.com/office/drawing/2014/main" id="{2D0B9223-1250-44AA-A6C3-F2013B85AEF3}"/>
+                <a16:creationId xmlns:a16="http://schemas.microsoft.com/office/drawing/2014/main" xmlns="" id="{2D0B9223-1250-44AA-A6C3-F2013B85AEF3}"/>
               </a:ext>
             </a:extLst>
           </p:cNvPr>
@@ -2904,7 +2904,7 @@
             <a:fld id="{C473AACB-D821-4991-9D88-46EB8D29E619}" type="datetimeFigureOut">
               <a:rPr lang="en-GB" smtClean="0"/>
               <a:pPr/>
-              <a:t>14/11/2025</a:t>
+              <a:t>23/11/2025</a:t>
             </a:fld>
             <a:endParaRPr lang="en-GB" dirty="0"/>
           </a:p>
@@ -3040,7 +3040,7 @@
           <p:cNvPr id="11" name="Picture 10">
             <a:extLst>
               <a:ext uri="{FF2B5EF4-FFF2-40B4-BE49-F238E27FC236}">
-                <a16:creationId xmlns="" xmlns:a16="http://schemas.microsoft.com/office/drawing/2014/main" id="{D49E1C7C-7E53-49A2-B2C9-52307876DB7E}"/>
+                <a16:creationId xmlns:a16="http://schemas.microsoft.com/office/drawing/2014/main" xmlns="" id="{D49E1C7C-7E53-49A2-B2C9-52307876DB7E}"/>
               </a:ext>
             </a:extLst>
           </p:cNvPr>
@@ -3328,7 +3328,7 @@
             <a:fld id="{C473AACB-D821-4991-9D88-46EB8D29E619}" type="datetimeFigureOut">
               <a:rPr lang="en-GB" smtClean="0"/>
               <a:pPr/>
-              <a:t>14/11/2025</a:t>
+              <a:t>23/11/2025</a:t>
             </a:fld>
             <a:endParaRPr lang="en-GB" dirty="0"/>
           </a:p>
@@ -3382,7 +3382,7 @@
           <p:cNvPr id="9" name="Picture 8">
             <a:extLst>
               <a:ext uri="{FF2B5EF4-FFF2-40B4-BE49-F238E27FC236}">
-                <a16:creationId xmlns="" xmlns:a16="http://schemas.microsoft.com/office/drawing/2014/main" id="{23082AB0-2BB5-46FE-9A17-15E1ACC06965}"/>
+                <a16:creationId xmlns:a16="http://schemas.microsoft.com/office/drawing/2014/main" xmlns="" id="{23082AB0-2BB5-46FE-9A17-15E1ACC06965}"/>
               </a:ext>
             </a:extLst>
           </p:cNvPr>
@@ -3441,7 +3441,7 @@
           <p:cNvPr id="8" name="Picture 7">
             <a:extLst>
               <a:ext uri="{FF2B5EF4-FFF2-40B4-BE49-F238E27FC236}">
-                <a16:creationId xmlns="" xmlns:a16="http://schemas.microsoft.com/office/drawing/2014/main" id="{1862E859-E5AF-4D76-9FC9-2355B24FF141}"/>
+                <a16:creationId xmlns:a16="http://schemas.microsoft.com/office/drawing/2014/main" xmlns="" id="{1862E859-E5AF-4D76-9FC9-2355B24FF141}"/>
               </a:ext>
             </a:extLst>
           </p:cNvPr>
@@ -3563,7 +3563,7 @@
             <a:fld id="{C473AACB-D821-4991-9D88-46EB8D29E619}" type="datetimeFigureOut">
               <a:rPr lang="en-GB" smtClean="0"/>
               <a:pPr/>
-              <a:t>14/11/2025</a:t>
+              <a:t>23/11/2025</a:t>
             </a:fld>
             <a:endParaRPr lang="en-GB" dirty="0"/>
           </a:p>
@@ -3647,7 +3647,7 @@
           <p:cNvPr id="8" name="Picture 7">
             <a:extLst>
               <a:ext uri="{FF2B5EF4-FFF2-40B4-BE49-F238E27FC236}">
-                <a16:creationId xmlns="" xmlns:a16="http://schemas.microsoft.com/office/drawing/2014/main" id="{91908D0E-7544-4687-965B-72EF64AA4C54}"/>
+                <a16:creationId xmlns:a16="http://schemas.microsoft.com/office/drawing/2014/main" xmlns="" id="{91908D0E-7544-4687-965B-72EF64AA4C54}"/>
               </a:ext>
             </a:extLst>
           </p:cNvPr>
@@ -3774,7 +3774,7 @@
             <a:fld id="{C473AACB-D821-4991-9D88-46EB8D29E619}" type="datetimeFigureOut">
               <a:rPr lang="en-GB" smtClean="0"/>
               <a:pPr/>
-              <a:t>14/11/2025</a:t>
+              <a:t>23/11/2025</a:t>
             </a:fld>
             <a:endParaRPr lang="en-GB" dirty="0"/>
           </a:p>
@@ -3858,7 +3858,7 @@
           <p:cNvPr id="8" name="Picture 7">
             <a:extLst>
               <a:ext uri="{FF2B5EF4-FFF2-40B4-BE49-F238E27FC236}">
-                <a16:creationId xmlns="" xmlns:a16="http://schemas.microsoft.com/office/drawing/2014/main" id="{5B5B8CA2-02D4-408C-B548-182D4F5F54B2}"/>
+                <a16:creationId xmlns:a16="http://schemas.microsoft.com/office/drawing/2014/main" xmlns="" id="{5B5B8CA2-02D4-408C-B548-182D4F5F54B2}"/>
               </a:ext>
             </a:extLst>
           </p:cNvPr>
@@ -3992,7 +3992,7 @@
             <a:fld id="{C473AACB-D821-4991-9D88-46EB8D29E619}" type="datetimeFigureOut">
               <a:rPr lang="en-GB" smtClean="0"/>
               <a:pPr/>
-              <a:t>14/11/2025</a:t>
+              <a:t>23/11/2025</a:t>
             </a:fld>
             <a:endParaRPr lang="en-GB" dirty="0"/>
           </a:p>
@@ -4076,7 +4076,7 @@
           <p:cNvPr id="11" name="Picture 10">
             <a:extLst>
               <a:ext uri="{FF2B5EF4-FFF2-40B4-BE49-F238E27FC236}">
-                <a16:creationId xmlns="" xmlns:a16="http://schemas.microsoft.com/office/drawing/2014/main" id="{EA8DB33B-8BF9-4C99-B31C-55246227EFDE}"/>
+                <a16:creationId xmlns:a16="http://schemas.microsoft.com/office/drawing/2014/main" xmlns="" id="{EA8DB33B-8BF9-4C99-B31C-55246227EFDE}"/>
               </a:ext>
             </a:extLst>
           </p:cNvPr>
@@ -4807,7 +4807,7 @@
             <a:fld id="{C473AACB-D821-4991-9D88-46EB8D29E619}" type="datetimeFigureOut">
               <a:rPr lang="en-GB" smtClean="0"/>
               <a:pPr/>
-              <a:t>14/11/2025</a:t>
+              <a:t>23/11/2025</a:t>
             </a:fld>
             <a:endParaRPr lang="en-GB" dirty="0"/>
           </a:p>
@@ -4891,7 +4891,7 @@
           <p:cNvPr id="11" name="Picture 10">
             <a:extLst>
               <a:ext uri="{FF2B5EF4-FFF2-40B4-BE49-F238E27FC236}">
-                <a16:creationId xmlns="" xmlns:a16="http://schemas.microsoft.com/office/drawing/2014/main" id="{EA8DB33B-8BF9-4C99-B31C-55246227EFDE}"/>
+                <a16:creationId xmlns:a16="http://schemas.microsoft.com/office/drawing/2014/main" xmlns="" id="{EA8DB33B-8BF9-4C99-B31C-55246227EFDE}"/>
               </a:ext>
             </a:extLst>
           </p:cNvPr>
@@ -5621,7 +5621,7 @@
             <a:fld id="{C473AACB-D821-4991-9D88-46EB8D29E619}" type="datetimeFigureOut">
               <a:rPr lang="en-GB" smtClean="0"/>
               <a:pPr/>
-              <a:t>14/11/2025</a:t>
+              <a:t>23/11/2025</a:t>
             </a:fld>
             <a:endParaRPr lang="en-GB" dirty="0"/>
           </a:p>
@@ -5870,7 +5870,7 @@
             <a:fld id="{C473AACB-D821-4991-9D88-46EB8D29E619}" type="datetimeFigureOut">
               <a:rPr lang="en-GB" smtClean="0"/>
               <a:pPr/>
-              <a:t>14/11/2025</a:t>
+              <a:t>23/11/2025</a:t>
             </a:fld>
             <a:endParaRPr lang="en-GB" dirty="0"/>
           </a:p>
@@ -5924,7 +5924,7 @@
           <p:cNvPr id="7" name="Picture 6">
             <a:extLst>
               <a:ext uri="{FF2B5EF4-FFF2-40B4-BE49-F238E27FC236}">
-                <a16:creationId xmlns="" xmlns:a16="http://schemas.microsoft.com/office/drawing/2014/main" id="{6331EFED-43C1-4CBA-8BE3-308E3AA13B9B}"/>
+                <a16:creationId xmlns:a16="http://schemas.microsoft.com/office/drawing/2014/main" xmlns="" id="{6331EFED-43C1-4CBA-8BE3-308E3AA13B9B}"/>
               </a:ext>
             </a:extLst>
           </p:cNvPr>
@@ -6134,7 +6134,7 @@
             <a:fld id="{C473AACB-D821-4991-9D88-46EB8D29E619}" type="datetimeFigureOut">
               <a:rPr lang="en-GB" smtClean="0"/>
               <a:pPr/>
-              <a:t>14/11/2025</a:t>
+              <a:t>23/11/2025</a:t>
             </a:fld>
             <a:endParaRPr lang="en-GB" dirty="0"/>
           </a:p>
@@ -6188,7 +6188,7 @@
           <p:cNvPr id="9" name="Picture 8">
             <a:extLst>
               <a:ext uri="{FF2B5EF4-FFF2-40B4-BE49-F238E27FC236}">
-                <a16:creationId xmlns="" xmlns:a16="http://schemas.microsoft.com/office/drawing/2014/main" id="{1034EA63-4BE3-4A73-A7E6-4A75BE4C1D48}"/>
+                <a16:creationId xmlns:a16="http://schemas.microsoft.com/office/drawing/2014/main" xmlns="" id="{1034EA63-4BE3-4A73-A7E6-4A75BE4C1D48}"/>
               </a:ext>
             </a:extLst>
           </p:cNvPr>
@@ -6247,7 +6247,7 @@
           <p:cNvPr id="10" name="Picture 9">
             <a:extLst>
               <a:ext uri="{FF2B5EF4-FFF2-40B4-BE49-F238E27FC236}">
-                <a16:creationId xmlns="" xmlns:a16="http://schemas.microsoft.com/office/drawing/2014/main" id="{204DC1E6-B5F4-4160-90F3-351FB3242E92}"/>
+                <a16:creationId xmlns:a16="http://schemas.microsoft.com/office/drawing/2014/main" xmlns="" id="{204DC1E6-B5F4-4160-90F3-351FB3242E92}"/>
               </a:ext>
             </a:extLst>
           </p:cNvPr>
@@ -6574,7 +6574,7 @@
             <a:fld id="{C473AACB-D821-4991-9D88-46EB8D29E619}" type="datetimeFigureOut">
               <a:rPr lang="en-GB" smtClean="0"/>
               <a:pPr/>
-              <a:t>14/11/2025</a:t>
+              <a:t>23/11/2025</a:t>
             </a:fld>
             <a:endParaRPr lang="en-GB" dirty="0"/>
           </a:p>
@@ -6658,7 +6658,7 @@
           <p:cNvPr id="6" name="Picture 5">
             <a:extLst>
               <a:ext uri="{FF2B5EF4-FFF2-40B4-BE49-F238E27FC236}">
-                <a16:creationId xmlns="" xmlns:a16="http://schemas.microsoft.com/office/drawing/2014/main" id="{E7897C67-3827-4595-8E3A-71E9F2EAB3AF}"/>
+                <a16:creationId xmlns:a16="http://schemas.microsoft.com/office/drawing/2014/main" xmlns="" id="{E7897C67-3827-4595-8E3A-71E9F2EAB3AF}"/>
               </a:ext>
             </a:extLst>
           </p:cNvPr>
@@ -6729,7 +6729,7 @@
             <a:fld id="{C473AACB-D821-4991-9D88-46EB8D29E619}" type="datetimeFigureOut">
               <a:rPr lang="en-GB" smtClean="0"/>
               <a:pPr/>
-              <a:t>14/11/2025</a:t>
+              <a:t>23/11/2025</a:t>
             </a:fld>
             <a:endParaRPr lang="en-GB" dirty="0"/>
           </a:p>
@@ -6826,7 +6826,7 @@
             <a:fld id="{C473AACB-D821-4991-9D88-46EB8D29E619}" type="datetimeFigureOut">
               <a:rPr lang="en-GB" smtClean="0"/>
               <a:pPr/>
-              <a:t>14/11/2025</a:t>
+              <a:t>23/11/2025</a:t>
             </a:fld>
             <a:endParaRPr lang="en-GB" dirty="0"/>
           </a:p>
@@ -6880,7 +6880,7 @@
           <p:cNvPr id="6" name="Picture 5">
             <a:extLst>
               <a:ext uri="{FF2B5EF4-FFF2-40B4-BE49-F238E27FC236}">
-                <a16:creationId xmlns="" xmlns:a16="http://schemas.microsoft.com/office/drawing/2014/main" id="{F1825398-026A-4668-BB48-C16AD1C9062B}"/>
+                <a16:creationId xmlns:a16="http://schemas.microsoft.com/office/drawing/2014/main" xmlns="" id="{F1825398-026A-4668-BB48-C16AD1C9062B}"/>
               </a:ext>
             </a:extLst>
           </p:cNvPr>
@@ -7603,7 +7603,7 @@
             <a:fld id="{C473AACB-D821-4991-9D88-46EB8D29E619}" type="datetimeFigureOut">
               <a:rPr lang="en-GB" smtClean="0"/>
               <a:pPr/>
-              <a:t>14/11/2025</a:t>
+              <a:t>23/11/2025</a:t>
             </a:fld>
             <a:endParaRPr lang="en-GB" dirty="0"/>
           </a:p>
@@ -8172,7 +8172,6 @@
               <a:rPr lang="en-GB" dirty="0" smtClean="0"/>
               <a:t>PIC16F175xx</a:t>
             </a:r>
-            <a:endParaRPr lang="en-GB" dirty="0" smtClean="0"/>
           </a:p>
           <a:p>
             <a:r>
@@ -8397,15 +8396,7 @@
             <a:pPr marL="778521" lvl="1" indent="-478483"/>
             <a:r>
               <a:rPr lang="en-GB" dirty="0" smtClean="0"/>
-              <a:t>Test that you have the </a:t>
-            </a:r>
-            <a:r>
-              <a:rPr lang="en-GB" dirty="0" smtClean="0"/>
-              <a:t>16F175xx </a:t>
-            </a:r>
-            <a:r>
-              <a:rPr lang="en-GB" dirty="0" smtClean="0"/>
-              <a:t>attached</a:t>
+              <a:t>Test that you have the 16F175xx attached</a:t>
             </a:r>
           </a:p>
           <a:p>
@@ -9775,7 +9766,6 @@
               <a:rPr lang="en-GB" dirty="0" smtClean="0"/>
               <a:t>PIC16F175xx</a:t>
             </a:r>
-            <a:endParaRPr lang="en-GB" dirty="0" smtClean="0"/>
           </a:p>
           <a:p>
             <a:r>
@@ -10376,7 +10366,6 @@
               <a:rPr lang="en-GB" dirty="0" smtClean="0"/>
               <a:t>PIC16F175xx</a:t>
             </a:r>
-            <a:endParaRPr lang="en-GB" dirty="0" smtClean="0"/>
           </a:p>
           <a:p>
             <a:r>
@@ -10688,7 +10677,7 @@
             <a:fld id="{1E700B27-DE4C-4B9E-BB11-B9027034A00F}" type="datetimeFigureOut">
               <a:rPr lang="en-US" smtClean="0"/>
               <a:pPr/>
-              <a:t>11/15/2025</a:t>
+              <a:t>11/23/2025</a:t>
             </a:fld>
             <a:endParaRPr lang="en-US" dirty="0"/>
           </a:p>
@@ -10805,7 +10794,7 @@
 </file>
 
 <file path=ppt/slides/slide4.xml><?xml version="1.0" encoding="utf-8"?>
-<p:sld xmlns:a="http://schemas.openxmlformats.org/drawingml/2006/main" xmlns:r="http://schemas.openxmlformats.org/officeDocument/2006/relationships" xmlns:p="http://schemas.openxmlformats.org/presentationml/2006/main" show="0">
+<p:sld xmlns:a="http://schemas.openxmlformats.org/drawingml/2006/main" xmlns:r="http://schemas.openxmlformats.org/officeDocument/2006/relationships" xmlns:p="http://schemas.openxmlformats.org/presentationml/2006/main">
   <p:cSld>
     <p:spTree>
       <p:nvGrpSpPr>
@@ -10858,79 +10847,120 @@
         <p:spPr/>
         <p:txBody>
           <a:bodyPr>
-            <a:normAutofit fontScale="92500" lnSpcReduction="10000"/>
+            <a:normAutofit fontScale="92500"/>
           </a:bodyPr>
           <a:lstStyle/>
           <a:p>
             <a:r>
               <a:rPr lang="en-GB" dirty="0" smtClean="0"/>
-              <a:t>PIC18-Q24 is a high performance PIC18 </a:t>
+              <a:t>PIC16165xx  is a high performance PIC16</a:t>
             </a:r>
           </a:p>
           <a:p>
             <a:pPr lvl="1"/>
             <a:r>
+              <a:rPr lang="en-GB" b="1" dirty="0"/>
+              <a:t>Digital and </a:t>
+            </a:r>
+            <a:r>
+              <a:rPr lang="en-GB" b="1" dirty="0" err="1"/>
+              <a:t>analog</a:t>
+            </a:r>
+            <a:r>
+              <a:rPr lang="en-GB" b="1" dirty="0"/>
+              <a:t> peripherals</a:t>
+            </a:r>
+            <a:r>
+              <a:rPr lang="en-GB" dirty="0"/>
+              <a:t> for flexible embedded control</a:t>
+            </a:r>
+          </a:p>
+          <a:p>
+            <a:pPr lvl="1"/>
+            <a:r>
+              <a:rPr lang="en-GB" b="1" dirty="0"/>
+              <a:t>10-bit ADC</a:t>
+            </a:r>
+            <a:r>
+              <a:rPr lang="en-GB" dirty="0"/>
+              <a:t> for accurate </a:t>
+            </a:r>
+            <a:r>
+              <a:rPr lang="en-GB" dirty="0" err="1"/>
+              <a:t>analog</a:t>
+            </a:r>
+            <a:r>
+              <a:rPr lang="en-GB" dirty="0"/>
+              <a:t> signal conversion</a:t>
+            </a:r>
+          </a:p>
+          <a:p>
+            <a:pPr lvl="1"/>
+            <a:r>
+              <a:rPr lang="en-GB" b="1" dirty="0"/>
+              <a:t>Multiple communication interfaces</a:t>
+            </a:r>
+            <a:r>
+              <a:rPr lang="en-GB" dirty="0"/>
+              <a:t> including UART (serial), I²C, and SPI</a:t>
+            </a:r>
+          </a:p>
+          <a:p>
+            <a:pPr lvl="1"/>
+            <a:r>
+              <a:rPr lang="en-GB" b="1" dirty="0"/>
+              <a:t>PWM modules</a:t>
+            </a:r>
+            <a:r>
+              <a:rPr lang="en-GB" dirty="0"/>
+              <a:t> with CCP and 16-bit resolution for precise timing and motor control</a:t>
+            </a:r>
+          </a:p>
+          <a:p>
+            <a:pPr lvl="1"/>
+            <a:r>
+              <a:rPr lang="en-GB" b="1" dirty="0"/>
+              <a:t>Configurable Logic Cells (CLCs)</a:t>
+            </a:r>
+            <a:r>
+              <a:rPr lang="en-GB" dirty="0"/>
+              <a:t> for custom hardware-level logic without external components</a:t>
+            </a:r>
+          </a:p>
+          <a:p>
+            <a:pPr lvl="1"/>
+            <a:r>
+              <a:rPr lang="en-GB" b="1" dirty="0"/>
+              <a:t>Integrated op amps</a:t>
+            </a:r>
+            <a:r>
+              <a:rPr lang="en-GB" dirty="0"/>
+              <a:t> for </a:t>
+            </a:r>
+            <a:r>
+              <a:rPr lang="en-GB" dirty="0" err="1"/>
+              <a:t>onboard</a:t>
+            </a:r>
+            <a:r>
+              <a:rPr lang="en-GB" dirty="0"/>
+              <a:t> </a:t>
+            </a:r>
+            <a:r>
+              <a:rPr lang="en-GB" dirty="0" err="1"/>
+              <a:t>analog</a:t>
+            </a:r>
+            <a:r>
+              <a:rPr lang="en-GB" dirty="0"/>
+              <a:t> signal conditioning and amplification</a:t>
+            </a:r>
+          </a:p>
+          <a:p>
+            <a:endParaRPr lang="en-GB" dirty="0" smtClean="0"/>
+          </a:p>
+          <a:p>
+            <a:r>
               <a:rPr lang="en-GB" dirty="0" smtClean="0"/>
-              <a:t>Digital and </a:t>
-            </a:r>
-            <a:r>
-              <a:rPr lang="en-GB" dirty="0" err="1" smtClean="0"/>
-              <a:t>Analog</a:t>
-            </a:r>
-            <a:r>
-              <a:rPr lang="en-GB" dirty="0" smtClean="0"/>
-              <a:t> peripherals </a:t>
-            </a:r>
-          </a:p>
-          <a:p>
-            <a:pPr lvl="1"/>
-            <a:r>
-              <a:rPr lang="en-GB" dirty="0" smtClean="0"/>
-              <a:t>10-bit ADC</a:t>
-            </a:r>
-          </a:p>
-          <a:p>
-            <a:pPr lvl="1"/>
-            <a:r>
-              <a:rPr lang="en-GB" dirty="0" smtClean="0"/>
-              <a:t>Multiple communication interfaces</a:t>
-            </a:r>
-          </a:p>
-          <a:p>
-            <a:pPr lvl="2"/>
-            <a:r>
-              <a:rPr lang="en-GB" dirty="0" smtClean="0"/>
-              <a:t>Serial, I2C and  SPI </a:t>
-            </a:r>
-          </a:p>
-          <a:p>
-            <a:pPr lvl="2"/>
-            <a:r>
-              <a:rPr lang="en-GB" dirty="0" smtClean="0"/>
-              <a:t>PWM – CCP/PWM and 16Bit</a:t>
-            </a:r>
-          </a:p>
-          <a:p>
-            <a:pPr lvl="1"/>
-            <a:r>
-              <a:rPr lang="en-GB" dirty="0" smtClean="0"/>
-              <a:t>Configurable Logic Cells</a:t>
-            </a:r>
-          </a:p>
-          <a:p>
-            <a:pPr lvl="1"/>
-            <a:r>
-              <a:rPr lang="en-GB" dirty="0" smtClean="0"/>
-              <a:t>Multi voltage domains</a:t>
-            </a:r>
-          </a:p>
-          <a:p>
-            <a:endParaRPr lang="en-GB" dirty="0" smtClean="0"/>
-          </a:p>
-          <a:p>
-            <a:r>
-              <a:rPr lang="en-GB" dirty="0" smtClean="0"/>
-              <a:t>The PIC18xxQ24 offers 28, 40 and 48-pin products in small footprint packages to support customers in a wide variety of applications. </a:t>
+              <a:t>The PIC16175xx offers 14, 20, 28, 40 and 44-pin products in small footprint packages to support customers in a wide variety of applications. </a:t>
             </a:r>
           </a:p>
           <a:p>
@@ -10939,6 +10969,11 @@
         </p:txBody>
       </p:sp>
     </p:spTree>
+    <p:extLst>
+      <p:ext uri="{BB962C8B-B14F-4D97-AF65-F5344CB8AC3E}">
+        <p14:creationId xmlns:p14="http://schemas.microsoft.com/office/powerpoint/2010/main" val="3701176808"/>
+      </p:ext>
+    </p:extLst>
   </p:cSld>
   <p:clrMapOvr>
     <a:masterClrMapping/>
@@ -11530,15 +11565,7 @@
           <a:p>
             <a:r>
               <a:rPr lang="en-GB" dirty="0" smtClean="0"/>
-              <a:t>GCBASIC now supports the </a:t>
-            </a:r>
-            <a:r>
-              <a:rPr lang="en-GB" dirty="0" smtClean="0"/>
-              <a:t>16F175xx </a:t>
-            </a:r>
-            <a:r>
-              <a:rPr lang="en-GB" dirty="0" smtClean="0"/>
-              <a:t>chip family</a:t>
+              <a:t>GCBASIC now supports the 16F175xx chip family</a:t>
             </a:r>
             <a:endParaRPr lang="en-GB" dirty="0"/>
           </a:p>
@@ -12706,7 +12733,7 @@
   <a:extraClrSchemeLst/>
   <a:extLst>
     <a:ext uri="{05A4C25C-085E-4340-85A3-A5531E510DB2}">
-      <thm15:themeFamily xmlns="" xmlns:thm15="http://schemas.microsoft.com/office/thememl/2012/main" name="GCstudioThemeLight" id="{4C740F94-33C0-4EEC-9234-F56C348A0987}" vid="{A43F8B96-90D8-489D-B80F-92F9D6F351CC}"/>
+      <thm15:themeFamily xmlns:thm15="http://schemas.microsoft.com/office/thememl/2012/main" xmlns="" name="GCstudioThemeLight" id="{4C740F94-33C0-4EEC-9234-F56C348A0987}" vid="{A43F8B96-90D8-489D-B80F-92F9D6F351CC}"/>
     </a:ext>
   </a:extLst>
 </a:theme>
